--- a/ProyectoEnglish.pptx
+++ b/ProyectoEnglish.pptx
@@ -13,21 +13,23 @@
     <p:sldId id="261" r:id="rId11"/>
     <p:sldId id="262" r:id="rId12"/>
     <p:sldId id="263" r:id="rId13"/>
+    <p:sldId id="264" r:id="rId14"/>
+    <p:sldId id="265" r:id="rId15"/>
   </p:sldIdLst>
   <p:sldSz cx="18288000" cy="10287000"/>
   <p:notesSz cx="6858000" cy="9144000"/>
   <p:embeddedFontLst>
     <p:embeddedFont>
       <p:font typeface="Tahoma Bold" charset="1" panose="020B0804030504040204"/>
-      <p:regular r:id="rId14"/>
+      <p:regular r:id="rId16"/>
+    </p:embeddedFont>
+    <p:embeddedFont>
+      <p:font typeface="DejaVu Sans Light" charset="1" panose="020B0603030804020204"/>
+      <p:regular r:id="rId17"/>
     </p:embeddedFont>
     <p:embeddedFont>
       <p:font typeface="DejaVu Sans Bold" charset="1" panose="020B0803030604020204"/>
-      <p:regular r:id="rId15"/>
-    </p:embeddedFont>
-    <p:embeddedFont>
-      <p:font typeface="DejaVu Sans Light" charset="1" panose="020B0603030804020204"/>
-      <p:regular r:id="rId16"/>
+      <p:regular r:id="rId18"/>
     </p:embeddedFont>
   </p:embeddedFontLst>
   <p:defaultTextStyle>
@@ -5124,6 +5126,2081 @@
           </p:spPr>
         </p:sp>
       </p:grpSp>
+      <p:sp>
+        <p:nvSpPr>
+          <p:cNvPr name="TextBox 51" id="51"/>
+          <p:cNvSpPr txBox="true"/>
+          <p:nvPr/>
+        </p:nvSpPr>
+        <p:spPr>
+          <a:xfrm rot="0">
+            <a:off x="1345817" y="7623346"/>
+            <a:ext cx="13335673" cy="512801"/>
+          </a:xfrm>
+          <a:prstGeom prst="rect">
+            <a:avLst/>
+          </a:prstGeom>
+        </p:spPr>
+        <p:txBody>
+          <a:bodyPr anchor="t" rtlCol="false" tIns="0" lIns="0" bIns="0" rIns="0">
+            <a:spAutoFit/>
+          </a:bodyPr>
+          <a:lstStyle/>
+          <a:p>
+            <a:pPr algn="l">
+              <a:lnSpc>
+                <a:spcPts val="4092"/>
+              </a:lnSpc>
+            </a:pPr>
+            <a:r>
+              <a:rPr lang="en-US" sz="3399" spc="-136">
+                <a:solidFill>
+                  <a:srgbClr val="18181A"/>
+                </a:solidFill>
+                <a:latin typeface="DejaVu Sans Light"/>
+                <a:ea typeface="DejaVu Sans Light"/>
+                <a:cs typeface="DejaVu Sans Light"/>
+                <a:sym typeface="DejaVu Sans Light"/>
+              </a:rPr>
+              <a:t>By: Rossy Ivone Gil Huaman</a:t>
+            </a:r>
+          </a:p>
+        </p:txBody>
+      </p:sp>
+    </p:spTree>
+  </p:cSld>
+  <p:clrMapOvr>
+    <a:masterClrMapping/>
+  </p:clrMapOvr>
+</p:sld>
+</file>
+
+<file path=ppt/slides/slide10.xml><?xml version="1.0" encoding="utf-8"?>
+<p:sld xmlns:p="http://schemas.openxmlformats.org/presentationml/2006/main" xmlns:a="http://schemas.openxmlformats.org/drawingml/2006/main">
+  <p:cSld>
+    <p:spTree>
+      <p:nvGrpSpPr>
+        <p:cNvPr id="1" name=""/>
+        <p:cNvGrpSpPr/>
+        <p:nvPr/>
+      </p:nvGrpSpPr>
+      <p:grpSpPr>
+        <a:xfrm>
+          <a:off x="0" y="0"/>
+          <a:ext cx="0" cy="0"/>
+          <a:chOff x="0" y="0"/>
+          <a:chExt cx="0" cy="0"/>
+        </a:xfrm>
+      </p:grpSpPr>
+      <p:grpSp>
+        <p:nvGrpSpPr>
+          <p:cNvPr name="Group 2" id="2"/>
+          <p:cNvGrpSpPr/>
+          <p:nvPr/>
+        </p:nvGrpSpPr>
+        <p:grpSpPr>
+          <a:xfrm rot="0">
+            <a:off x="0" y="0"/>
+            <a:ext cx="18278480" cy="10281645"/>
+            <a:chOff x="0" y="0"/>
+            <a:chExt cx="24371307" cy="13708860"/>
+          </a:xfrm>
+        </p:grpSpPr>
+        <p:sp>
+          <p:nvSpPr>
+            <p:cNvPr name="Freeform 3" id="3"/>
+            <p:cNvSpPr/>
+            <p:nvPr/>
+          </p:nvSpPr>
+          <p:spPr>
+            <a:xfrm flipH="false" flipV="false" rot="0">
+              <a:off x="0" y="0"/>
+              <a:ext cx="24371300" cy="13708887"/>
+            </a:xfrm>
+            <a:custGeom>
+              <a:avLst/>
+              <a:gdLst/>
+              <a:ahLst/>
+              <a:cxnLst/>
+              <a:rect r="r" b="b" t="t" l="l"/>
+              <a:pathLst>
+                <a:path h="13708887" w="24371300">
+                  <a:moveTo>
+                    <a:pt x="24371300" y="0"/>
+                  </a:moveTo>
+                  <a:lnTo>
+                    <a:pt x="0" y="0"/>
+                  </a:lnTo>
+                  <a:lnTo>
+                    <a:pt x="0" y="13708887"/>
+                  </a:lnTo>
+                  <a:lnTo>
+                    <a:pt x="24371300" y="13708887"/>
+                  </a:lnTo>
+                  <a:lnTo>
+                    <a:pt x="24371300" y="0"/>
+                  </a:lnTo>
+                  <a:close/>
+                </a:path>
+              </a:pathLst>
+            </a:custGeom>
+            <a:solidFill>
+              <a:srgbClr val="C2C2DF"/>
+            </a:solidFill>
+          </p:spPr>
+        </p:sp>
+      </p:grpSp>
+      <p:grpSp>
+        <p:nvGrpSpPr>
+          <p:cNvPr name="Group 4" id="4"/>
+          <p:cNvGrpSpPr/>
+          <p:nvPr/>
+        </p:nvGrpSpPr>
+        <p:grpSpPr>
+          <a:xfrm rot="0">
+            <a:off x="0" y="0"/>
+            <a:ext cx="18278480" cy="10281645"/>
+            <a:chOff x="0" y="0"/>
+            <a:chExt cx="24371307" cy="13708860"/>
+          </a:xfrm>
+        </p:grpSpPr>
+        <p:sp>
+          <p:nvSpPr>
+            <p:cNvPr name="Freeform 5" id="5"/>
+            <p:cNvSpPr/>
+            <p:nvPr/>
+          </p:nvSpPr>
+          <p:spPr>
+            <a:xfrm flipH="false" flipV="false" rot="0">
+              <a:off x="0" y="0"/>
+              <a:ext cx="24371300" cy="13708887"/>
+            </a:xfrm>
+            <a:custGeom>
+              <a:avLst/>
+              <a:gdLst/>
+              <a:ahLst/>
+              <a:cxnLst/>
+              <a:rect r="r" b="b" t="t" l="l"/>
+              <a:pathLst>
+                <a:path h="13708887" w="24371300">
+                  <a:moveTo>
+                    <a:pt x="24371300" y="0"/>
+                  </a:moveTo>
+                  <a:lnTo>
+                    <a:pt x="0" y="0"/>
+                  </a:lnTo>
+                  <a:lnTo>
+                    <a:pt x="0" y="13708887"/>
+                  </a:lnTo>
+                  <a:lnTo>
+                    <a:pt x="24371300" y="13708887"/>
+                  </a:lnTo>
+                  <a:lnTo>
+                    <a:pt x="24371300" y="0"/>
+                  </a:lnTo>
+                  <a:close/>
+                </a:path>
+              </a:pathLst>
+            </a:custGeom>
+            <a:solidFill>
+              <a:srgbClr val="C2C2DF"/>
+            </a:solidFill>
+          </p:spPr>
+        </p:sp>
+      </p:grpSp>
+      <p:grpSp>
+        <p:nvGrpSpPr>
+          <p:cNvPr name="Group 6" id="6"/>
+          <p:cNvGrpSpPr/>
+          <p:nvPr/>
+        </p:nvGrpSpPr>
+        <p:grpSpPr>
+          <a:xfrm rot="0">
+            <a:off x="1158957" y="1069020"/>
+            <a:ext cx="8276149" cy="8153022"/>
+            <a:chOff x="0" y="0"/>
+            <a:chExt cx="11034865" cy="10870696"/>
+          </a:xfrm>
+        </p:grpSpPr>
+        <p:sp>
+          <p:nvSpPr>
+            <p:cNvPr name="Freeform 7" id="7"/>
+            <p:cNvSpPr/>
+            <p:nvPr/>
+          </p:nvSpPr>
+          <p:spPr>
+            <a:xfrm flipH="false" flipV="false" rot="0">
+              <a:off x="0" y="0"/>
+              <a:ext cx="11034141" cy="10870057"/>
+            </a:xfrm>
+            <a:custGeom>
+              <a:avLst/>
+              <a:gdLst/>
+              <a:ahLst/>
+              <a:cxnLst/>
+              <a:rect r="r" b="b" t="t" l="l"/>
+              <a:pathLst>
+                <a:path h="10870057" w="11034141">
+                  <a:moveTo>
+                    <a:pt x="5517515" y="10870057"/>
+                  </a:moveTo>
+                  <a:lnTo>
+                    <a:pt x="25400" y="10870057"/>
+                  </a:lnTo>
+                  <a:cubicBezTo>
+                    <a:pt x="11303" y="10870057"/>
+                    <a:pt x="0" y="10858626"/>
+                    <a:pt x="0" y="10844657"/>
+                  </a:cubicBezTo>
+                  <a:lnTo>
+                    <a:pt x="0" y="25400"/>
+                  </a:lnTo>
+                  <a:cubicBezTo>
+                    <a:pt x="0" y="11430"/>
+                    <a:pt x="11430" y="0"/>
+                    <a:pt x="25400" y="0"/>
+                  </a:cubicBezTo>
+                  <a:lnTo>
+                    <a:pt x="11008741" y="0"/>
+                  </a:lnTo>
+                  <a:cubicBezTo>
+                    <a:pt x="11022838" y="0"/>
+                    <a:pt x="11034141" y="11430"/>
+                    <a:pt x="11034141" y="25400"/>
+                  </a:cubicBezTo>
+                  <a:lnTo>
+                    <a:pt x="11034141" y="10844657"/>
+                  </a:lnTo>
+                  <a:cubicBezTo>
+                    <a:pt x="11034141" y="10858753"/>
+                    <a:pt x="11022711" y="10870057"/>
+                    <a:pt x="11008741" y="10870057"/>
+                  </a:cubicBezTo>
+                  <a:lnTo>
+                    <a:pt x="5517515" y="10870057"/>
+                  </a:lnTo>
+                  <a:lnTo>
+                    <a:pt x="5517515" y="10844657"/>
+                  </a:lnTo>
+                  <a:lnTo>
+                    <a:pt x="5517515" y="10870057"/>
+                  </a:lnTo>
+                  <a:moveTo>
+                    <a:pt x="5517515" y="10819257"/>
+                  </a:moveTo>
+                  <a:lnTo>
+                    <a:pt x="11008741" y="10819257"/>
+                  </a:lnTo>
+                  <a:lnTo>
+                    <a:pt x="11008741" y="10844657"/>
+                  </a:lnTo>
+                  <a:lnTo>
+                    <a:pt x="10983341" y="10844657"/>
+                  </a:lnTo>
+                  <a:lnTo>
+                    <a:pt x="10983341" y="25400"/>
+                  </a:lnTo>
+                  <a:lnTo>
+                    <a:pt x="11008741" y="25400"/>
+                  </a:lnTo>
+                  <a:lnTo>
+                    <a:pt x="11008741" y="50800"/>
+                  </a:lnTo>
+                  <a:lnTo>
+                    <a:pt x="25400" y="50800"/>
+                  </a:lnTo>
+                  <a:lnTo>
+                    <a:pt x="25400" y="25400"/>
+                  </a:lnTo>
+                  <a:lnTo>
+                    <a:pt x="50800" y="25400"/>
+                  </a:lnTo>
+                  <a:lnTo>
+                    <a:pt x="50800" y="10844657"/>
+                  </a:lnTo>
+                  <a:lnTo>
+                    <a:pt x="25400" y="10844657"/>
+                  </a:lnTo>
+                  <a:lnTo>
+                    <a:pt x="25400" y="10819257"/>
+                  </a:lnTo>
+                  <a:lnTo>
+                    <a:pt x="5517515" y="10819257"/>
+                  </a:lnTo>
+                  <a:close/>
+                </a:path>
+              </a:pathLst>
+            </a:custGeom>
+            <a:solidFill>
+              <a:srgbClr val="29282C"/>
+            </a:solidFill>
+          </p:spPr>
+        </p:sp>
+      </p:grpSp>
+      <p:grpSp>
+        <p:nvGrpSpPr>
+          <p:cNvPr name="Group 8" id="8"/>
+          <p:cNvGrpSpPr/>
+          <p:nvPr/>
+        </p:nvGrpSpPr>
+        <p:grpSpPr>
+          <a:xfrm rot="0">
+            <a:off x="0" y="1847993"/>
+            <a:ext cx="16852378" cy="6585965"/>
+            <a:chOff x="0" y="0"/>
+            <a:chExt cx="22469837" cy="8781286"/>
+          </a:xfrm>
+        </p:grpSpPr>
+        <p:sp>
+          <p:nvSpPr>
+            <p:cNvPr name="Freeform 9" id="9"/>
+            <p:cNvSpPr/>
+            <p:nvPr/>
+          </p:nvSpPr>
+          <p:spPr>
+            <a:xfrm flipH="false" flipV="false" rot="0">
+              <a:off x="0" y="0"/>
+              <a:ext cx="22469475" cy="8781288"/>
+            </a:xfrm>
+            <a:custGeom>
+              <a:avLst/>
+              <a:gdLst/>
+              <a:ahLst/>
+              <a:cxnLst/>
+              <a:rect r="r" b="b" t="t" l="l"/>
+              <a:pathLst>
+                <a:path h="8781288" w="22469475">
+                  <a:moveTo>
+                    <a:pt x="22469475" y="0"/>
+                  </a:moveTo>
+                  <a:lnTo>
+                    <a:pt x="0" y="0"/>
+                  </a:lnTo>
+                  <a:lnTo>
+                    <a:pt x="0" y="8781288"/>
+                  </a:lnTo>
+                  <a:lnTo>
+                    <a:pt x="11234674" y="8781288"/>
+                  </a:lnTo>
+                  <a:lnTo>
+                    <a:pt x="22469475" y="8781288"/>
+                  </a:lnTo>
+                  <a:lnTo>
+                    <a:pt x="22469475" y="0"/>
+                  </a:lnTo>
+                  <a:close/>
+                </a:path>
+              </a:pathLst>
+            </a:custGeom>
+            <a:solidFill>
+              <a:srgbClr val="FFFFFF"/>
+            </a:solidFill>
+          </p:spPr>
+        </p:sp>
+      </p:grpSp>
+      <p:grpSp>
+        <p:nvGrpSpPr>
+          <p:cNvPr name="Group 10" id="10"/>
+          <p:cNvGrpSpPr/>
+          <p:nvPr/>
+        </p:nvGrpSpPr>
+        <p:grpSpPr>
+          <a:xfrm rot="0">
+            <a:off x="1178026" y="355491"/>
+            <a:ext cx="224673" cy="375724"/>
+            <a:chOff x="0" y="0"/>
+            <a:chExt cx="299564" cy="500966"/>
+          </a:xfrm>
+        </p:grpSpPr>
+        <p:sp>
+          <p:nvSpPr>
+            <p:cNvPr name="Freeform 11" id="11"/>
+            <p:cNvSpPr/>
+            <p:nvPr/>
+          </p:nvSpPr>
+          <p:spPr>
+            <a:xfrm flipH="false" flipV="false" rot="0">
+              <a:off x="0" y="0"/>
+              <a:ext cx="299339" cy="500888"/>
+            </a:xfrm>
+            <a:custGeom>
+              <a:avLst/>
+              <a:gdLst/>
+              <a:ahLst/>
+              <a:cxnLst/>
+              <a:rect r="r" b="b" t="t" l="l"/>
+              <a:pathLst>
+                <a:path h="500888" w="299339">
+                  <a:moveTo>
+                    <a:pt x="299339" y="0"/>
+                  </a:moveTo>
+                  <a:lnTo>
+                    <a:pt x="255270" y="0"/>
+                  </a:lnTo>
+                  <a:lnTo>
+                    <a:pt x="0" y="500888"/>
+                  </a:lnTo>
+                  <a:lnTo>
+                    <a:pt x="43180" y="500888"/>
+                  </a:lnTo>
+                  <a:lnTo>
+                    <a:pt x="299339" y="0"/>
+                  </a:lnTo>
+                  <a:close/>
+                </a:path>
+              </a:pathLst>
+            </a:custGeom>
+            <a:solidFill>
+              <a:srgbClr val="18181A"/>
+            </a:solidFill>
+          </p:spPr>
+        </p:sp>
+      </p:grpSp>
+      <p:grpSp>
+        <p:nvGrpSpPr>
+          <p:cNvPr name="Group 12" id="12"/>
+          <p:cNvGrpSpPr/>
+          <p:nvPr/>
+        </p:nvGrpSpPr>
+        <p:grpSpPr>
+          <a:xfrm rot="0">
+            <a:off x="1168671" y="346129"/>
+            <a:ext cx="243381" cy="394433"/>
+            <a:chOff x="0" y="0"/>
+            <a:chExt cx="324508" cy="525910"/>
+          </a:xfrm>
+        </p:grpSpPr>
+        <p:sp>
+          <p:nvSpPr>
+            <p:cNvPr name="Freeform 13" id="13"/>
+            <p:cNvSpPr/>
+            <p:nvPr/>
+          </p:nvSpPr>
+          <p:spPr>
+            <a:xfrm flipH="false" flipV="false" rot="0">
+              <a:off x="-635" y="0"/>
+              <a:ext cx="325501" cy="525780"/>
+            </a:xfrm>
+            <a:custGeom>
+              <a:avLst/>
+              <a:gdLst/>
+              <a:ahLst/>
+              <a:cxnLst/>
+              <a:rect r="r" b="b" t="t" l="l"/>
+              <a:pathLst>
+                <a:path h="525780" w="325501">
+                  <a:moveTo>
+                    <a:pt x="2032" y="507619"/>
+                  </a:moveTo>
+                  <a:lnTo>
+                    <a:pt x="257175" y="6858"/>
+                  </a:lnTo>
+                  <a:cubicBezTo>
+                    <a:pt x="259334" y="2667"/>
+                    <a:pt x="263652" y="0"/>
+                    <a:pt x="268351" y="0"/>
+                  </a:cubicBezTo>
+                  <a:lnTo>
+                    <a:pt x="312420" y="0"/>
+                  </a:lnTo>
+                  <a:cubicBezTo>
+                    <a:pt x="316738" y="0"/>
+                    <a:pt x="320802" y="2286"/>
+                    <a:pt x="323088" y="5969"/>
+                  </a:cubicBezTo>
+                  <a:cubicBezTo>
+                    <a:pt x="325374" y="9652"/>
+                    <a:pt x="325501" y="14351"/>
+                    <a:pt x="323596" y="18161"/>
+                  </a:cubicBezTo>
+                  <a:lnTo>
+                    <a:pt x="67437" y="519049"/>
+                  </a:lnTo>
+                  <a:cubicBezTo>
+                    <a:pt x="65278" y="523240"/>
+                    <a:pt x="60960" y="525780"/>
+                    <a:pt x="56388" y="525780"/>
+                  </a:cubicBezTo>
+                  <a:lnTo>
+                    <a:pt x="13081" y="525780"/>
+                  </a:lnTo>
+                  <a:cubicBezTo>
+                    <a:pt x="8763" y="525780"/>
+                    <a:pt x="4699" y="523494"/>
+                    <a:pt x="2413" y="519811"/>
+                  </a:cubicBezTo>
+                  <a:cubicBezTo>
+                    <a:pt x="127" y="516128"/>
+                    <a:pt x="0" y="511556"/>
+                    <a:pt x="1905" y="507619"/>
+                  </a:cubicBezTo>
+                  <a:moveTo>
+                    <a:pt x="24130" y="518922"/>
+                  </a:moveTo>
+                  <a:lnTo>
+                    <a:pt x="12954" y="513207"/>
+                  </a:lnTo>
+                  <a:lnTo>
+                    <a:pt x="12954" y="500761"/>
+                  </a:lnTo>
+                  <a:lnTo>
+                    <a:pt x="56134" y="500761"/>
+                  </a:lnTo>
+                  <a:lnTo>
+                    <a:pt x="56134" y="513207"/>
+                  </a:lnTo>
+                  <a:lnTo>
+                    <a:pt x="45085" y="507492"/>
+                  </a:lnTo>
+                  <a:lnTo>
+                    <a:pt x="301371" y="6731"/>
+                  </a:lnTo>
+                  <a:lnTo>
+                    <a:pt x="312420" y="12446"/>
+                  </a:lnTo>
+                  <a:lnTo>
+                    <a:pt x="312420" y="24892"/>
+                  </a:lnTo>
+                  <a:lnTo>
+                    <a:pt x="268351" y="24892"/>
+                  </a:lnTo>
+                  <a:lnTo>
+                    <a:pt x="268351" y="12446"/>
+                  </a:lnTo>
+                  <a:lnTo>
+                    <a:pt x="279527" y="18161"/>
+                  </a:lnTo>
+                  <a:lnTo>
+                    <a:pt x="24257" y="518922"/>
+                  </a:lnTo>
+                  <a:close/>
+                </a:path>
+              </a:pathLst>
+            </a:custGeom>
+            <a:solidFill>
+              <a:srgbClr val="18181A"/>
+            </a:solidFill>
+          </p:spPr>
+        </p:sp>
+      </p:grpSp>
+      <p:grpSp>
+        <p:nvGrpSpPr>
+          <p:cNvPr name="Group 14" id="14"/>
+          <p:cNvGrpSpPr/>
+          <p:nvPr/>
+        </p:nvGrpSpPr>
+        <p:grpSpPr>
+          <a:xfrm rot="0">
+            <a:off x="1402531" y="355491"/>
+            <a:ext cx="224673" cy="375724"/>
+            <a:chOff x="0" y="0"/>
+            <a:chExt cx="299564" cy="500966"/>
+          </a:xfrm>
+        </p:grpSpPr>
+        <p:sp>
+          <p:nvSpPr>
+            <p:cNvPr name="Freeform 15" id="15"/>
+            <p:cNvSpPr/>
+            <p:nvPr/>
+          </p:nvSpPr>
+          <p:spPr>
+            <a:xfrm flipH="false" flipV="false" rot="0">
+              <a:off x="0" y="0"/>
+              <a:ext cx="299339" cy="500888"/>
+            </a:xfrm>
+            <a:custGeom>
+              <a:avLst/>
+              <a:gdLst/>
+              <a:ahLst/>
+              <a:cxnLst/>
+              <a:rect r="r" b="b" t="t" l="l"/>
+              <a:pathLst>
+                <a:path h="500888" w="299339">
+                  <a:moveTo>
+                    <a:pt x="299339" y="0"/>
+                  </a:moveTo>
+                  <a:lnTo>
+                    <a:pt x="255143" y="0"/>
+                  </a:lnTo>
+                  <a:lnTo>
+                    <a:pt x="0" y="500888"/>
+                  </a:lnTo>
+                  <a:lnTo>
+                    <a:pt x="43180" y="500888"/>
+                  </a:lnTo>
+                  <a:lnTo>
+                    <a:pt x="299339" y="0"/>
+                  </a:lnTo>
+                  <a:close/>
+                </a:path>
+              </a:pathLst>
+            </a:custGeom>
+            <a:solidFill>
+              <a:srgbClr val="18181A"/>
+            </a:solidFill>
+          </p:spPr>
+        </p:sp>
+      </p:grpSp>
+      <p:grpSp>
+        <p:nvGrpSpPr>
+          <p:cNvPr name="Group 16" id="16"/>
+          <p:cNvGrpSpPr/>
+          <p:nvPr/>
+        </p:nvGrpSpPr>
+        <p:grpSpPr>
+          <a:xfrm rot="0">
+            <a:off x="1393174" y="346129"/>
+            <a:ext cx="243381" cy="394433"/>
+            <a:chOff x="0" y="0"/>
+            <a:chExt cx="324508" cy="525910"/>
+          </a:xfrm>
+        </p:grpSpPr>
+        <p:sp>
+          <p:nvSpPr>
+            <p:cNvPr name="Freeform 17" id="17"/>
+            <p:cNvSpPr/>
+            <p:nvPr/>
+          </p:nvSpPr>
+          <p:spPr>
+            <a:xfrm flipH="false" flipV="false" rot="0">
+              <a:off x="-635" y="0"/>
+              <a:ext cx="325501" cy="525780"/>
+            </a:xfrm>
+            <a:custGeom>
+              <a:avLst/>
+              <a:gdLst/>
+              <a:ahLst/>
+              <a:cxnLst/>
+              <a:rect r="r" b="b" t="t" l="l"/>
+              <a:pathLst>
+                <a:path h="525780" w="325501">
+                  <a:moveTo>
+                    <a:pt x="2032" y="507619"/>
+                  </a:moveTo>
+                  <a:lnTo>
+                    <a:pt x="257175" y="6858"/>
+                  </a:lnTo>
+                  <a:cubicBezTo>
+                    <a:pt x="259334" y="2667"/>
+                    <a:pt x="263652" y="0"/>
+                    <a:pt x="268351" y="0"/>
+                  </a:cubicBezTo>
+                  <a:lnTo>
+                    <a:pt x="312420" y="0"/>
+                  </a:lnTo>
+                  <a:cubicBezTo>
+                    <a:pt x="316738" y="0"/>
+                    <a:pt x="320802" y="2286"/>
+                    <a:pt x="323088" y="5969"/>
+                  </a:cubicBezTo>
+                  <a:cubicBezTo>
+                    <a:pt x="325374" y="9652"/>
+                    <a:pt x="325501" y="14351"/>
+                    <a:pt x="323596" y="18161"/>
+                  </a:cubicBezTo>
+                  <a:lnTo>
+                    <a:pt x="67437" y="519049"/>
+                  </a:lnTo>
+                  <a:cubicBezTo>
+                    <a:pt x="65278" y="523240"/>
+                    <a:pt x="60960" y="525780"/>
+                    <a:pt x="56388" y="525780"/>
+                  </a:cubicBezTo>
+                  <a:lnTo>
+                    <a:pt x="13081" y="525780"/>
+                  </a:lnTo>
+                  <a:cubicBezTo>
+                    <a:pt x="8763" y="525780"/>
+                    <a:pt x="4699" y="523494"/>
+                    <a:pt x="2413" y="519811"/>
+                  </a:cubicBezTo>
+                  <a:cubicBezTo>
+                    <a:pt x="127" y="516128"/>
+                    <a:pt x="0" y="511556"/>
+                    <a:pt x="1905" y="507619"/>
+                  </a:cubicBezTo>
+                  <a:moveTo>
+                    <a:pt x="24130" y="518922"/>
+                  </a:moveTo>
+                  <a:lnTo>
+                    <a:pt x="12954" y="513207"/>
+                  </a:lnTo>
+                  <a:lnTo>
+                    <a:pt x="12954" y="500761"/>
+                  </a:lnTo>
+                  <a:lnTo>
+                    <a:pt x="56134" y="500761"/>
+                  </a:lnTo>
+                  <a:lnTo>
+                    <a:pt x="56134" y="513207"/>
+                  </a:lnTo>
+                  <a:lnTo>
+                    <a:pt x="45085" y="507492"/>
+                  </a:lnTo>
+                  <a:lnTo>
+                    <a:pt x="301371" y="6731"/>
+                  </a:lnTo>
+                  <a:lnTo>
+                    <a:pt x="312420" y="12446"/>
+                  </a:lnTo>
+                  <a:lnTo>
+                    <a:pt x="312420" y="24892"/>
+                  </a:lnTo>
+                  <a:lnTo>
+                    <a:pt x="268351" y="24892"/>
+                  </a:lnTo>
+                  <a:lnTo>
+                    <a:pt x="268351" y="12446"/>
+                  </a:lnTo>
+                  <a:lnTo>
+                    <a:pt x="279527" y="18161"/>
+                  </a:lnTo>
+                  <a:lnTo>
+                    <a:pt x="24257" y="518922"/>
+                  </a:lnTo>
+                  <a:close/>
+                </a:path>
+              </a:pathLst>
+            </a:custGeom>
+            <a:solidFill>
+              <a:srgbClr val="18181A"/>
+            </a:solidFill>
+          </p:spPr>
+        </p:sp>
+      </p:grpSp>
+      <p:grpSp>
+        <p:nvGrpSpPr>
+          <p:cNvPr name="Group 18" id="18"/>
+          <p:cNvGrpSpPr/>
+          <p:nvPr/>
+        </p:nvGrpSpPr>
+        <p:grpSpPr>
+          <a:xfrm rot="0">
+            <a:off x="1626315" y="355491"/>
+            <a:ext cx="224673" cy="375724"/>
+            <a:chOff x="0" y="0"/>
+            <a:chExt cx="299564" cy="500966"/>
+          </a:xfrm>
+        </p:grpSpPr>
+        <p:sp>
+          <p:nvSpPr>
+            <p:cNvPr name="Freeform 19" id="19"/>
+            <p:cNvSpPr/>
+            <p:nvPr/>
+          </p:nvSpPr>
+          <p:spPr>
+            <a:xfrm flipH="false" flipV="false" rot="0">
+              <a:off x="0" y="0"/>
+              <a:ext cx="299339" cy="500888"/>
+            </a:xfrm>
+            <a:custGeom>
+              <a:avLst/>
+              <a:gdLst/>
+              <a:ahLst/>
+              <a:cxnLst/>
+              <a:rect r="r" b="b" t="t" l="l"/>
+              <a:pathLst>
+                <a:path h="500888" w="299339">
+                  <a:moveTo>
+                    <a:pt x="299339" y="0"/>
+                  </a:moveTo>
+                  <a:lnTo>
+                    <a:pt x="255143" y="0"/>
+                  </a:lnTo>
+                  <a:lnTo>
+                    <a:pt x="0" y="500888"/>
+                  </a:lnTo>
+                  <a:lnTo>
+                    <a:pt x="43180" y="500888"/>
+                  </a:lnTo>
+                  <a:lnTo>
+                    <a:pt x="299339" y="0"/>
+                  </a:lnTo>
+                  <a:close/>
+                </a:path>
+              </a:pathLst>
+            </a:custGeom>
+            <a:solidFill>
+              <a:srgbClr val="18181A"/>
+            </a:solidFill>
+          </p:spPr>
+        </p:sp>
+      </p:grpSp>
+      <p:grpSp>
+        <p:nvGrpSpPr>
+          <p:cNvPr name="Group 20" id="20"/>
+          <p:cNvGrpSpPr/>
+          <p:nvPr/>
+        </p:nvGrpSpPr>
+        <p:grpSpPr>
+          <a:xfrm rot="0">
+            <a:off x="1616955" y="346129"/>
+            <a:ext cx="243381" cy="394433"/>
+            <a:chOff x="0" y="0"/>
+            <a:chExt cx="324508" cy="525910"/>
+          </a:xfrm>
+        </p:grpSpPr>
+        <p:sp>
+          <p:nvSpPr>
+            <p:cNvPr name="Freeform 21" id="21"/>
+            <p:cNvSpPr/>
+            <p:nvPr/>
+          </p:nvSpPr>
+          <p:spPr>
+            <a:xfrm flipH="false" flipV="false" rot="0">
+              <a:off x="-635" y="0"/>
+              <a:ext cx="325628" cy="525780"/>
+            </a:xfrm>
+            <a:custGeom>
+              <a:avLst/>
+              <a:gdLst/>
+              <a:ahLst/>
+              <a:cxnLst/>
+              <a:rect r="r" b="b" t="t" l="l"/>
+              <a:pathLst>
+                <a:path h="525780" w="325628">
+                  <a:moveTo>
+                    <a:pt x="2032" y="507619"/>
+                  </a:moveTo>
+                  <a:lnTo>
+                    <a:pt x="257175" y="6858"/>
+                  </a:lnTo>
+                  <a:cubicBezTo>
+                    <a:pt x="259334" y="2667"/>
+                    <a:pt x="263652" y="0"/>
+                    <a:pt x="268351" y="0"/>
+                  </a:cubicBezTo>
+                  <a:lnTo>
+                    <a:pt x="312547" y="0"/>
+                  </a:lnTo>
+                  <a:cubicBezTo>
+                    <a:pt x="316865" y="0"/>
+                    <a:pt x="320929" y="2286"/>
+                    <a:pt x="323215" y="5969"/>
+                  </a:cubicBezTo>
+                  <a:cubicBezTo>
+                    <a:pt x="325501" y="9652"/>
+                    <a:pt x="325628" y="14351"/>
+                    <a:pt x="323723" y="18161"/>
+                  </a:cubicBezTo>
+                  <a:lnTo>
+                    <a:pt x="67437" y="519049"/>
+                  </a:lnTo>
+                  <a:cubicBezTo>
+                    <a:pt x="65278" y="523240"/>
+                    <a:pt x="60960" y="525780"/>
+                    <a:pt x="56388" y="525780"/>
+                  </a:cubicBezTo>
+                  <a:lnTo>
+                    <a:pt x="13081" y="525780"/>
+                  </a:lnTo>
+                  <a:cubicBezTo>
+                    <a:pt x="8763" y="525780"/>
+                    <a:pt x="4699" y="523494"/>
+                    <a:pt x="2413" y="519811"/>
+                  </a:cubicBezTo>
+                  <a:cubicBezTo>
+                    <a:pt x="127" y="516128"/>
+                    <a:pt x="0" y="511556"/>
+                    <a:pt x="1905" y="507619"/>
+                  </a:cubicBezTo>
+                  <a:moveTo>
+                    <a:pt x="24130" y="518922"/>
+                  </a:moveTo>
+                  <a:lnTo>
+                    <a:pt x="12954" y="513207"/>
+                  </a:lnTo>
+                  <a:lnTo>
+                    <a:pt x="12954" y="500761"/>
+                  </a:lnTo>
+                  <a:lnTo>
+                    <a:pt x="56134" y="500761"/>
+                  </a:lnTo>
+                  <a:lnTo>
+                    <a:pt x="56134" y="513207"/>
+                  </a:lnTo>
+                  <a:lnTo>
+                    <a:pt x="45085" y="507492"/>
+                  </a:lnTo>
+                  <a:lnTo>
+                    <a:pt x="301371" y="6731"/>
+                  </a:lnTo>
+                  <a:lnTo>
+                    <a:pt x="312420" y="12446"/>
+                  </a:lnTo>
+                  <a:lnTo>
+                    <a:pt x="312420" y="24892"/>
+                  </a:lnTo>
+                  <a:lnTo>
+                    <a:pt x="268351" y="24892"/>
+                  </a:lnTo>
+                  <a:lnTo>
+                    <a:pt x="268351" y="12446"/>
+                  </a:lnTo>
+                  <a:lnTo>
+                    <a:pt x="279527" y="18161"/>
+                  </a:lnTo>
+                  <a:lnTo>
+                    <a:pt x="24257" y="518922"/>
+                  </a:lnTo>
+                  <a:close/>
+                </a:path>
+              </a:pathLst>
+            </a:custGeom>
+            <a:solidFill>
+              <a:srgbClr val="18181A"/>
+            </a:solidFill>
+          </p:spPr>
+        </p:sp>
+      </p:grpSp>
+      <p:grpSp>
+        <p:nvGrpSpPr>
+          <p:cNvPr name="Group 22" id="22"/>
+          <p:cNvGrpSpPr/>
+          <p:nvPr/>
+        </p:nvGrpSpPr>
+        <p:grpSpPr>
+          <a:xfrm rot="0">
+            <a:off x="1850823" y="355491"/>
+            <a:ext cx="224673" cy="375724"/>
+            <a:chOff x="0" y="0"/>
+            <a:chExt cx="299564" cy="500966"/>
+          </a:xfrm>
+        </p:grpSpPr>
+        <p:sp>
+          <p:nvSpPr>
+            <p:cNvPr name="Freeform 23" id="23"/>
+            <p:cNvSpPr/>
+            <p:nvPr/>
+          </p:nvSpPr>
+          <p:spPr>
+            <a:xfrm flipH="false" flipV="false" rot="0">
+              <a:off x="0" y="0"/>
+              <a:ext cx="299339" cy="500888"/>
+            </a:xfrm>
+            <a:custGeom>
+              <a:avLst/>
+              <a:gdLst/>
+              <a:ahLst/>
+              <a:cxnLst/>
+              <a:rect r="r" b="b" t="t" l="l"/>
+              <a:pathLst>
+                <a:path h="500888" w="299339">
+                  <a:moveTo>
+                    <a:pt x="299339" y="0"/>
+                  </a:moveTo>
+                  <a:lnTo>
+                    <a:pt x="255143" y="0"/>
+                  </a:lnTo>
+                  <a:lnTo>
+                    <a:pt x="0" y="500888"/>
+                  </a:lnTo>
+                  <a:lnTo>
+                    <a:pt x="43180" y="500888"/>
+                  </a:lnTo>
+                  <a:lnTo>
+                    <a:pt x="299339" y="0"/>
+                  </a:lnTo>
+                  <a:close/>
+                </a:path>
+              </a:pathLst>
+            </a:custGeom>
+            <a:solidFill>
+              <a:srgbClr val="18181A"/>
+            </a:solidFill>
+          </p:spPr>
+        </p:sp>
+      </p:grpSp>
+      <p:grpSp>
+        <p:nvGrpSpPr>
+          <p:cNvPr name="Group 24" id="24"/>
+          <p:cNvGrpSpPr/>
+          <p:nvPr/>
+        </p:nvGrpSpPr>
+        <p:grpSpPr>
+          <a:xfrm rot="0">
+            <a:off x="1841471" y="346129"/>
+            <a:ext cx="243381" cy="394433"/>
+            <a:chOff x="0" y="0"/>
+            <a:chExt cx="324508" cy="525910"/>
+          </a:xfrm>
+        </p:grpSpPr>
+        <p:sp>
+          <p:nvSpPr>
+            <p:cNvPr name="Freeform 25" id="25"/>
+            <p:cNvSpPr/>
+            <p:nvPr/>
+          </p:nvSpPr>
+          <p:spPr>
+            <a:xfrm flipH="false" flipV="false" rot="0">
+              <a:off x="-635" y="0"/>
+              <a:ext cx="325628" cy="525780"/>
+            </a:xfrm>
+            <a:custGeom>
+              <a:avLst/>
+              <a:gdLst/>
+              <a:ahLst/>
+              <a:cxnLst/>
+              <a:rect r="r" b="b" t="t" l="l"/>
+              <a:pathLst>
+                <a:path h="525780" w="325628">
+                  <a:moveTo>
+                    <a:pt x="2032" y="507619"/>
+                  </a:moveTo>
+                  <a:lnTo>
+                    <a:pt x="257175" y="6858"/>
+                  </a:lnTo>
+                  <a:cubicBezTo>
+                    <a:pt x="259334" y="2667"/>
+                    <a:pt x="263652" y="0"/>
+                    <a:pt x="268351" y="0"/>
+                  </a:cubicBezTo>
+                  <a:lnTo>
+                    <a:pt x="312547" y="0"/>
+                  </a:lnTo>
+                  <a:cubicBezTo>
+                    <a:pt x="316865" y="0"/>
+                    <a:pt x="320929" y="2286"/>
+                    <a:pt x="323215" y="5969"/>
+                  </a:cubicBezTo>
+                  <a:cubicBezTo>
+                    <a:pt x="325501" y="9652"/>
+                    <a:pt x="325628" y="14351"/>
+                    <a:pt x="323723" y="18161"/>
+                  </a:cubicBezTo>
+                  <a:lnTo>
+                    <a:pt x="67437" y="519049"/>
+                  </a:lnTo>
+                  <a:cubicBezTo>
+                    <a:pt x="65278" y="523240"/>
+                    <a:pt x="60960" y="525780"/>
+                    <a:pt x="56388" y="525780"/>
+                  </a:cubicBezTo>
+                  <a:lnTo>
+                    <a:pt x="13081" y="525780"/>
+                  </a:lnTo>
+                  <a:cubicBezTo>
+                    <a:pt x="8763" y="525780"/>
+                    <a:pt x="4699" y="523494"/>
+                    <a:pt x="2413" y="519811"/>
+                  </a:cubicBezTo>
+                  <a:cubicBezTo>
+                    <a:pt x="127" y="516128"/>
+                    <a:pt x="0" y="511556"/>
+                    <a:pt x="1905" y="507619"/>
+                  </a:cubicBezTo>
+                  <a:moveTo>
+                    <a:pt x="24130" y="518922"/>
+                  </a:moveTo>
+                  <a:lnTo>
+                    <a:pt x="12954" y="513207"/>
+                  </a:lnTo>
+                  <a:lnTo>
+                    <a:pt x="12954" y="500761"/>
+                  </a:lnTo>
+                  <a:lnTo>
+                    <a:pt x="56134" y="500761"/>
+                  </a:lnTo>
+                  <a:lnTo>
+                    <a:pt x="56134" y="513207"/>
+                  </a:lnTo>
+                  <a:lnTo>
+                    <a:pt x="45085" y="507492"/>
+                  </a:lnTo>
+                  <a:lnTo>
+                    <a:pt x="301371" y="6731"/>
+                  </a:lnTo>
+                  <a:lnTo>
+                    <a:pt x="312420" y="12446"/>
+                  </a:lnTo>
+                  <a:lnTo>
+                    <a:pt x="312420" y="24892"/>
+                  </a:lnTo>
+                  <a:lnTo>
+                    <a:pt x="268351" y="24892"/>
+                  </a:lnTo>
+                  <a:lnTo>
+                    <a:pt x="268351" y="12446"/>
+                  </a:lnTo>
+                  <a:lnTo>
+                    <a:pt x="279527" y="18161"/>
+                  </a:lnTo>
+                  <a:lnTo>
+                    <a:pt x="24257" y="518922"/>
+                  </a:lnTo>
+                  <a:close/>
+                </a:path>
+              </a:pathLst>
+            </a:custGeom>
+            <a:solidFill>
+              <a:srgbClr val="18181A"/>
+            </a:solidFill>
+          </p:spPr>
+        </p:sp>
+      </p:grpSp>
+      <p:grpSp>
+        <p:nvGrpSpPr>
+          <p:cNvPr name="Group 26" id="26"/>
+          <p:cNvGrpSpPr/>
+          <p:nvPr/>
+        </p:nvGrpSpPr>
+        <p:grpSpPr>
+          <a:xfrm rot="0">
+            <a:off x="2075318" y="355491"/>
+            <a:ext cx="224673" cy="375724"/>
+            <a:chOff x="0" y="0"/>
+            <a:chExt cx="299564" cy="500966"/>
+          </a:xfrm>
+        </p:grpSpPr>
+        <p:sp>
+          <p:nvSpPr>
+            <p:cNvPr name="Freeform 27" id="27"/>
+            <p:cNvSpPr/>
+            <p:nvPr/>
+          </p:nvSpPr>
+          <p:spPr>
+            <a:xfrm flipH="false" flipV="false" rot="0">
+              <a:off x="0" y="0"/>
+              <a:ext cx="299339" cy="500888"/>
+            </a:xfrm>
+            <a:custGeom>
+              <a:avLst/>
+              <a:gdLst/>
+              <a:ahLst/>
+              <a:cxnLst/>
+              <a:rect r="r" b="b" t="t" l="l"/>
+              <a:pathLst>
+                <a:path h="500888" w="299339">
+                  <a:moveTo>
+                    <a:pt x="299339" y="0"/>
+                  </a:moveTo>
+                  <a:lnTo>
+                    <a:pt x="255270" y="0"/>
+                  </a:lnTo>
+                  <a:lnTo>
+                    <a:pt x="0" y="500888"/>
+                  </a:lnTo>
+                  <a:lnTo>
+                    <a:pt x="43180" y="500888"/>
+                  </a:lnTo>
+                  <a:lnTo>
+                    <a:pt x="299339" y="0"/>
+                  </a:lnTo>
+                  <a:close/>
+                </a:path>
+              </a:pathLst>
+            </a:custGeom>
+            <a:solidFill>
+              <a:srgbClr val="18181A"/>
+            </a:solidFill>
+          </p:spPr>
+        </p:sp>
+      </p:grpSp>
+      <p:grpSp>
+        <p:nvGrpSpPr>
+          <p:cNvPr name="Group 28" id="28"/>
+          <p:cNvGrpSpPr/>
+          <p:nvPr/>
+        </p:nvGrpSpPr>
+        <p:grpSpPr>
+          <a:xfrm rot="0">
+            <a:off x="2065975" y="346129"/>
+            <a:ext cx="243381" cy="394433"/>
+            <a:chOff x="0" y="0"/>
+            <a:chExt cx="324508" cy="525910"/>
+          </a:xfrm>
+        </p:grpSpPr>
+        <p:sp>
+          <p:nvSpPr>
+            <p:cNvPr name="Freeform 29" id="29"/>
+            <p:cNvSpPr/>
+            <p:nvPr/>
+          </p:nvSpPr>
+          <p:spPr>
+            <a:xfrm flipH="false" flipV="false" rot="0">
+              <a:off x="-635" y="0"/>
+              <a:ext cx="325628" cy="525780"/>
+            </a:xfrm>
+            <a:custGeom>
+              <a:avLst/>
+              <a:gdLst/>
+              <a:ahLst/>
+              <a:cxnLst/>
+              <a:rect r="r" b="b" t="t" l="l"/>
+              <a:pathLst>
+                <a:path h="525780" w="325628">
+                  <a:moveTo>
+                    <a:pt x="2032" y="507619"/>
+                  </a:moveTo>
+                  <a:lnTo>
+                    <a:pt x="257175" y="6858"/>
+                  </a:lnTo>
+                  <a:cubicBezTo>
+                    <a:pt x="259334" y="2667"/>
+                    <a:pt x="263652" y="0"/>
+                    <a:pt x="268351" y="0"/>
+                  </a:cubicBezTo>
+                  <a:lnTo>
+                    <a:pt x="312547" y="0"/>
+                  </a:lnTo>
+                  <a:cubicBezTo>
+                    <a:pt x="316865" y="0"/>
+                    <a:pt x="320929" y="2286"/>
+                    <a:pt x="323215" y="5969"/>
+                  </a:cubicBezTo>
+                  <a:cubicBezTo>
+                    <a:pt x="325501" y="9652"/>
+                    <a:pt x="325628" y="14351"/>
+                    <a:pt x="323723" y="18161"/>
+                  </a:cubicBezTo>
+                  <a:lnTo>
+                    <a:pt x="67437" y="519049"/>
+                  </a:lnTo>
+                  <a:cubicBezTo>
+                    <a:pt x="65278" y="523240"/>
+                    <a:pt x="60960" y="525780"/>
+                    <a:pt x="56388" y="525780"/>
+                  </a:cubicBezTo>
+                  <a:lnTo>
+                    <a:pt x="13081" y="525780"/>
+                  </a:lnTo>
+                  <a:cubicBezTo>
+                    <a:pt x="8763" y="525780"/>
+                    <a:pt x="4699" y="523494"/>
+                    <a:pt x="2413" y="519811"/>
+                  </a:cubicBezTo>
+                  <a:cubicBezTo>
+                    <a:pt x="127" y="516128"/>
+                    <a:pt x="0" y="511556"/>
+                    <a:pt x="1905" y="507619"/>
+                  </a:cubicBezTo>
+                  <a:moveTo>
+                    <a:pt x="24130" y="518922"/>
+                  </a:moveTo>
+                  <a:lnTo>
+                    <a:pt x="12954" y="513207"/>
+                  </a:lnTo>
+                  <a:lnTo>
+                    <a:pt x="12954" y="500761"/>
+                  </a:lnTo>
+                  <a:lnTo>
+                    <a:pt x="56134" y="500761"/>
+                  </a:lnTo>
+                  <a:lnTo>
+                    <a:pt x="56134" y="513207"/>
+                  </a:lnTo>
+                  <a:lnTo>
+                    <a:pt x="45085" y="507492"/>
+                  </a:lnTo>
+                  <a:lnTo>
+                    <a:pt x="301371" y="6731"/>
+                  </a:lnTo>
+                  <a:lnTo>
+                    <a:pt x="312420" y="12446"/>
+                  </a:lnTo>
+                  <a:lnTo>
+                    <a:pt x="312420" y="24892"/>
+                  </a:lnTo>
+                  <a:lnTo>
+                    <a:pt x="268351" y="24892"/>
+                  </a:lnTo>
+                  <a:lnTo>
+                    <a:pt x="268351" y="12446"/>
+                  </a:lnTo>
+                  <a:lnTo>
+                    <a:pt x="279527" y="18161"/>
+                  </a:lnTo>
+                  <a:lnTo>
+                    <a:pt x="24257" y="518922"/>
+                  </a:lnTo>
+                  <a:close/>
+                </a:path>
+              </a:pathLst>
+            </a:custGeom>
+            <a:solidFill>
+              <a:srgbClr val="18181A"/>
+            </a:solidFill>
+          </p:spPr>
+        </p:sp>
+      </p:grpSp>
+      <p:grpSp>
+        <p:nvGrpSpPr>
+          <p:cNvPr name="Group 30" id="30"/>
+          <p:cNvGrpSpPr/>
+          <p:nvPr/>
+        </p:nvGrpSpPr>
+        <p:grpSpPr>
+          <a:xfrm rot="0">
+            <a:off x="2299115" y="355491"/>
+            <a:ext cx="224673" cy="375724"/>
+            <a:chOff x="0" y="0"/>
+            <a:chExt cx="299564" cy="500966"/>
+          </a:xfrm>
+        </p:grpSpPr>
+        <p:sp>
+          <p:nvSpPr>
+            <p:cNvPr name="Freeform 31" id="31"/>
+            <p:cNvSpPr/>
+            <p:nvPr/>
+          </p:nvSpPr>
+          <p:spPr>
+            <a:xfrm flipH="false" flipV="false" rot="0">
+              <a:off x="0" y="0"/>
+              <a:ext cx="299339" cy="500888"/>
+            </a:xfrm>
+            <a:custGeom>
+              <a:avLst/>
+              <a:gdLst/>
+              <a:ahLst/>
+              <a:cxnLst/>
+              <a:rect r="r" b="b" t="t" l="l"/>
+              <a:pathLst>
+                <a:path h="500888" w="299339">
+                  <a:moveTo>
+                    <a:pt x="299339" y="0"/>
+                  </a:moveTo>
+                  <a:lnTo>
+                    <a:pt x="255143" y="0"/>
+                  </a:lnTo>
+                  <a:lnTo>
+                    <a:pt x="0" y="500888"/>
+                  </a:lnTo>
+                  <a:lnTo>
+                    <a:pt x="43180" y="500888"/>
+                  </a:lnTo>
+                  <a:lnTo>
+                    <a:pt x="299339" y="0"/>
+                  </a:lnTo>
+                  <a:close/>
+                </a:path>
+              </a:pathLst>
+            </a:custGeom>
+            <a:solidFill>
+              <a:srgbClr val="18181A"/>
+            </a:solidFill>
+          </p:spPr>
+        </p:sp>
+      </p:grpSp>
+      <p:grpSp>
+        <p:nvGrpSpPr>
+          <p:cNvPr name="Group 32" id="32"/>
+          <p:cNvGrpSpPr/>
+          <p:nvPr/>
+        </p:nvGrpSpPr>
+        <p:grpSpPr>
+          <a:xfrm rot="0">
+            <a:off x="2289755" y="346129"/>
+            <a:ext cx="243381" cy="394433"/>
+            <a:chOff x="0" y="0"/>
+            <a:chExt cx="324508" cy="525910"/>
+          </a:xfrm>
+        </p:grpSpPr>
+        <p:sp>
+          <p:nvSpPr>
+            <p:cNvPr name="Freeform 33" id="33"/>
+            <p:cNvSpPr/>
+            <p:nvPr/>
+          </p:nvSpPr>
+          <p:spPr>
+            <a:xfrm flipH="false" flipV="false" rot="0">
+              <a:off x="-635" y="0"/>
+              <a:ext cx="325501" cy="525780"/>
+            </a:xfrm>
+            <a:custGeom>
+              <a:avLst/>
+              <a:gdLst/>
+              <a:ahLst/>
+              <a:cxnLst/>
+              <a:rect r="r" b="b" t="t" l="l"/>
+              <a:pathLst>
+                <a:path h="525780" w="325501">
+                  <a:moveTo>
+                    <a:pt x="2032" y="507619"/>
+                  </a:moveTo>
+                  <a:lnTo>
+                    <a:pt x="257175" y="6858"/>
+                  </a:lnTo>
+                  <a:cubicBezTo>
+                    <a:pt x="259334" y="2667"/>
+                    <a:pt x="263652" y="0"/>
+                    <a:pt x="268351" y="0"/>
+                  </a:cubicBezTo>
+                  <a:lnTo>
+                    <a:pt x="312420" y="0"/>
+                  </a:lnTo>
+                  <a:cubicBezTo>
+                    <a:pt x="316738" y="0"/>
+                    <a:pt x="320802" y="2286"/>
+                    <a:pt x="323088" y="5969"/>
+                  </a:cubicBezTo>
+                  <a:cubicBezTo>
+                    <a:pt x="325374" y="9652"/>
+                    <a:pt x="325501" y="14351"/>
+                    <a:pt x="323596" y="18161"/>
+                  </a:cubicBezTo>
+                  <a:lnTo>
+                    <a:pt x="67437" y="519049"/>
+                  </a:lnTo>
+                  <a:cubicBezTo>
+                    <a:pt x="65278" y="523240"/>
+                    <a:pt x="60960" y="525780"/>
+                    <a:pt x="56388" y="525780"/>
+                  </a:cubicBezTo>
+                  <a:lnTo>
+                    <a:pt x="13081" y="525780"/>
+                  </a:lnTo>
+                  <a:cubicBezTo>
+                    <a:pt x="8763" y="525780"/>
+                    <a:pt x="4699" y="523494"/>
+                    <a:pt x="2413" y="519811"/>
+                  </a:cubicBezTo>
+                  <a:cubicBezTo>
+                    <a:pt x="127" y="516128"/>
+                    <a:pt x="0" y="511556"/>
+                    <a:pt x="1905" y="507619"/>
+                  </a:cubicBezTo>
+                  <a:moveTo>
+                    <a:pt x="24130" y="518922"/>
+                  </a:moveTo>
+                  <a:lnTo>
+                    <a:pt x="12954" y="513207"/>
+                  </a:lnTo>
+                  <a:lnTo>
+                    <a:pt x="12954" y="500761"/>
+                  </a:lnTo>
+                  <a:lnTo>
+                    <a:pt x="56134" y="500761"/>
+                  </a:lnTo>
+                  <a:lnTo>
+                    <a:pt x="56134" y="513207"/>
+                  </a:lnTo>
+                  <a:lnTo>
+                    <a:pt x="45085" y="507492"/>
+                  </a:lnTo>
+                  <a:lnTo>
+                    <a:pt x="301371" y="6731"/>
+                  </a:lnTo>
+                  <a:lnTo>
+                    <a:pt x="312420" y="12446"/>
+                  </a:lnTo>
+                  <a:lnTo>
+                    <a:pt x="312420" y="24892"/>
+                  </a:lnTo>
+                  <a:lnTo>
+                    <a:pt x="268351" y="24892"/>
+                  </a:lnTo>
+                  <a:lnTo>
+                    <a:pt x="268351" y="12446"/>
+                  </a:lnTo>
+                  <a:lnTo>
+                    <a:pt x="279527" y="18161"/>
+                  </a:lnTo>
+                  <a:lnTo>
+                    <a:pt x="24257" y="518922"/>
+                  </a:lnTo>
+                  <a:close/>
+                </a:path>
+              </a:pathLst>
+            </a:custGeom>
+            <a:solidFill>
+              <a:srgbClr val="18181A"/>
+            </a:solidFill>
+          </p:spPr>
+        </p:sp>
+      </p:grpSp>
+      <p:grpSp>
+        <p:nvGrpSpPr>
+          <p:cNvPr name="Group 34" id="34"/>
+          <p:cNvGrpSpPr/>
+          <p:nvPr/>
+        </p:nvGrpSpPr>
+        <p:grpSpPr>
+          <a:xfrm rot="0">
+            <a:off x="2523623" y="355491"/>
+            <a:ext cx="224673" cy="375724"/>
+            <a:chOff x="0" y="0"/>
+            <a:chExt cx="299564" cy="500966"/>
+          </a:xfrm>
+        </p:grpSpPr>
+        <p:sp>
+          <p:nvSpPr>
+            <p:cNvPr name="Freeform 35" id="35"/>
+            <p:cNvSpPr/>
+            <p:nvPr/>
+          </p:nvSpPr>
+          <p:spPr>
+            <a:xfrm flipH="false" flipV="false" rot="0">
+              <a:off x="0" y="0"/>
+              <a:ext cx="299339" cy="500888"/>
+            </a:xfrm>
+            <a:custGeom>
+              <a:avLst/>
+              <a:gdLst/>
+              <a:ahLst/>
+              <a:cxnLst/>
+              <a:rect r="r" b="b" t="t" l="l"/>
+              <a:pathLst>
+                <a:path h="500888" w="299339">
+                  <a:moveTo>
+                    <a:pt x="299339" y="0"/>
+                  </a:moveTo>
+                  <a:lnTo>
+                    <a:pt x="255143" y="0"/>
+                  </a:lnTo>
+                  <a:lnTo>
+                    <a:pt x="0" y="500888"/>
+                  </a:lnTo>
+                  <a:lnTo>
+                    <a:pt x="43180" y="500888"/>
+                  </a:lnTo>
+                  <a:lnTo>
+                    <a:pt x="299339" y="0"/>
+                  </a:lnTo>
+                  <a:close/>
+                </a:path>
+              </a:pathLst>
+            </a:custGeom>
+            <a:solidFill>
+              <a:srgbClr val="18181A"/>
+            </a:solidFill>
+          </p:spPr>
+        </p:sp>
+      </p:grpSp>
+      <p:grpSp>
+        <p:nvGrpSpPr>
+          <p:cNvPr name="Group 36" id="36"/>
+          <p:cNvGrpSpPr/>
+          <p:nvPr/>
+        </p:nvGrpSpPr>
+        <p:grpSpPr>
+          <a:xfrm rot="0">
+            <a:off x="2514259" y="346129"/>
+            <a:ext cx="243381" cy="394433"/>
+            <a:chOff x="0" y="0"/>
+            <a:chExt cx="324508" cy="525910"/>
+          </a:xfrm>
+        </p:grpSpPr>
+        <p:sp>
+          <p:nvSpPr>
+            <p:cNvPr name="Freeform 37" id="37"/>
+            <p:cNvSpPr/>
+            <p:nvPr/>
+          </p:nvSpPr>
+          <p:spPr>
+            <a:xfrm flipH="false" flipV="false" rot="0">
+              <a:off x="-635" y="0"/>
+              <a:ext cx="325501" cy="525780"/>
+            </a:xfrm>
+            <a:custGeom>
+              <a:avLst/>
+              <a:gdLst/>
+              <a:ahLst/>
+              <a:cxnLst/>
+              <a:rect r="r" b="b" t="t" l="l"/>
+              <a:pathLst>
+                <a:path h="525780" w="325501">
+                  <a:moveTo>
+                    <a:pt x="2032" y="507619"/>
+                  </a:moveTo>
+                  <a:lnTo>
+                    <a:pt x="257175" y="6858"/>
+                  </a:lnTo>
+                  <a:cubicBezTo>
+                    <a:pt x="259334" y="2667"/>
+                    <a:pt x="263652" y="0"/>
+                    <a:pt x="268351" y="0"/>
+                  </a:cubicBezTo>
+                  <a:lnTo>
+                    <a:pt x="312420" y="0"/>
+                  </a:lnTo>
+                  <a:cubicBezTo>
+                    <a:pt x="316738" y="0"/>
+                    <a:pt x="320802" y="2286"/>
+                    <a:pt x="323088" y="5969"/>
+                  </a:cubicBezTo>
+                  <a:cubicBezTo>
+                    <a:pt x="325374" y="9652"/>
+                    <a:pt x="325501" y="14351"/>
+                    <a:pt x="323596" y="18161"/>
+                  </a:cubicBezTo>
+                  <a:lnTo>
+                    <a:pt x="67437" y="519049"/>
+                  </a:lnTo>
+                  <a:cubicBezTo>
+                    <a:pt x="65278" y="523240"/>
+                    <a:pt x="60960" y="525780"/>
+                    <a:pt x="56388" y="525780"/>
+                  </a:cubicBezTo>
+                  <a:lnTo>
+                    <a:pt x="13081" y="525780"/>
+                  </a:lnTo>
+                  <a:cubicBezTo>
+                    <a:pt x="8763" y="525780"/>
+                    <a:pt x="4699" y="523494"/>
+                    <a:pt x="2413" y="519811"/>
+                  </a:cubicBezTo>
+                  <a:cubicBezTo>
+                    <a:pt x="127" y="516128"/>
+                    <a:pt x="0" y="511556"/>
+                    <a:pt x="1905" y="507619"/>
+                  </a:cubicBezTo>
+                  <a:moveTo>
+                    <a:pt x="24130" y="518922"/>
+                  </a:moveTo>
+                  <a:lnTo>
+                    <a:pt x="12954" y="513207"/>
+                  </a:lnTo>
+                  <a:lnTo>
+                    <a:pt x="12954" y="500761"/>
+                  </a:lnTo>
+                  <a:lnTo>
+                    <a:pt x="56134" y="500761"/>
+                  </a:lnTo>
+                  <a:lnTo>
+                    <a:pt x="56134" y="513207"/>
+                  </a:lnTo>
+                  <a:lnTo>
+                    <a:pt x="45085" y="507492"/>
+                  </a:lnTo>
+                  <a:lnTo>
+                    <a:pt x="301371" y="6731"/>
+                  </a:lnTo>
+                  <a:lnTo>
+                    <a:pt x="312420" y="12446"/>
+                  </a:lnTo>
+                  <a:lnTo>
+                    <a:pt x="312420" y="24892"/>
+                  </a:lnTo>
+                  <a:lnTo>
+                    <a:pt x="268351" y="24892"/>
+                  </a:lnTo>
+                  <a:lnTo>
+                    <a:pt x="268351" y="12446"/>
+                  </a:lnTo>
+                  <a:lnTo>
+                    <a:pt x="279527" y="18161"/>
+                  </a:lnTo>
+                  <a:lnTo>
+                    <a:pt x="24257" y="518922"/>
+                  </a:lnTo>
+                  <a:close/>
+                </a:path>
+              </a:pathLst>
+            </a:custGeom>
+            <a:solidFill>
+              <a:srgbClr val="18181A"/>
+            </a:solidFill>
+          </p:spPr>
+        </p:sp>
+      </p:grpSp>
+      <p:grpSp>
+        <p:nvGrpSpPr>
+          <p:cNvPr name="Group 38" id="38"/>
+          <p:cNvGrpSpPr/>
+          <p:nvPr/>
+        </p:nvGrpSpPr>
+        <p:grpSpPr>
+          <a:xfrm rot="0">
+            <a:off x="13673571" y="9773223"/>
+            <a:ext cx="4603892" cy="271639"/>
+            <a:chOff x="0" y="0"/>
+            <a:chExt cx="6138523" cy="362185"/>
+          </a:xfrm>
+        </p:grpSpPr>
+        <p:sp>
+          <p:nvSpPr>
+            <p:cNvPr name="Freeform 39" id="39"/>
+            <p:cNvSpPr/>
+            <p:nvPr/>
+          </p:nvSpPr>
+          <p:spPr>
+            <a:xfrm flipH="false" flipV="false" rot="0">
+              <a:off x="0" y="0"/>
+              <a:ext cx="6137783" cy="361696"/>
+            </a:xfrm>
+            <a:custGeom>
+              <a:avLst/>
+              <a:gdLst/>
+              <a:ahLst/>
+              <a:cxnLst/>
+              <a:rect r="r" b="b" t="t" l="l"/>
+              <a:pathLst>
+                <a:path h="361696" w="6137783">
+                  <a:moveTo>
+                    <a:pt x="6137783" y="0"/>
+                  </a:moveTo>
+                  <a:lnTo>
+                    <a:pt x="0" y="0"/>
+                  </a:lnTo>
+                  <a:lnTo>
+                    <a:pt x="0" y="361696"/>
+                  </a:lnTo>
+                  <a:lnTo>
+                    <a:pt x="3069463" y="361696"/>
+                  </a:lnTo>
+                  <a:lnTo>
+                    <a:pt x="6137783" y="361696"/>
+                  </a:lnTo>
+                  <a:lnTo>
+                    <a:pt x="6137783" y="0"/>
+                  </a:lnTo>
+                  <a:close/>
+                </a:path>
+              </a:pathLst>
+            </a:custGeom>
+            <a:solidFill>
+              <a:srgbClr val="29282C"/>
+            </a:solidFill>
+          </p:spPr>
+        </p:sp>
+      </p:grpSp>
+      <p:grpSp>
+        <p:nvGrpSpPr>
+          <p:cNvPr name="Group 40" id="40"/>
+          <p:cNvGrpSpPr/>
+          <p:nvPr/>
+        </p:nvGrpSpPr>
+        <p:grpSpPr>
+          <a:xfrm rot="0">
+            <a:off x="13673571" y="9228473"/>
+            <a:ext cx="4603892" cy="271639"/>
+            <a:chOff x="0" y="0"/>
+            <a:chExt cx="6138523" cy="362185"/>
+          </a:xfrm>
+        </p:grpSpPr>
+        <p:sp>
+          <p:nvSpPr>
+            <p:cNvPr name="Freeform 41" id="41"/>
+            <p:cNvSpPr/>
+            <p:nvPr/>
+          </p:nvSpPr>
+          <p:spPr>
+            <a:xfrm flipH="false" flipV="false" rot="0">
+              <a:off x="0" y="0"/>
+              <a:ext cx="6137783" cy="361696"/>
+            </a:xfrm>
+            <a:custGeom>
+              <a:avLst/>
+              <a:gdLst/>
+              <a:ahLst/>
+              <a:cxnLst/>
+              <a:rect r="r" b="b" t="t" l="l"/>
+              <a:pathLst>
+                <a:path h="361696" w="6137783">
+                  <a:moveTo>
+                    <a:pt x="6137783" y="0"/>
+                  </a:moveTo>
+                  <a:lnTo>
+                    <a:pt x="0" y="0"/>
+                  </a:lnTo>
+                  <a:lnTo>
+                    <a:pt x="0" y="361696"/>
+                  </a:lnTo>
+                  <a:lnTo>
+                    <a:pt x="3069463" y="361696"/>
+                  </a:lnTo>
+                  <a:lnTo>
+                    <a:pt x="6137783" y="361696"/>
+                  </a:lnTo>
+                  <a:lnTo>
+                    <a:pt x="6137783" y="0"/>
+                  </a:lnTo>
+                  <a:close/>
+                </a:path>
+              </a:pathLst>
+            </a:custGeom>
+            <a:solidFill>
+              <a:srgbClr val="575259"/>
+            </a:solidFill>
+          </p:spPr>
+        </p:sp>
+      </p:grpSp>
+      <p:sp>
+        <p:nvSpPr>
+          <p:cNvPr name="TextBox 42" id="42"/>
+          <p:cNvSpPr txBox="true"/>
+          <p:nvPr/>
+        </p:nvSpPr>
+        <p:spPr>
+          <a:xfrm rot="0">
+            <a:off x="663608" y="3204523"/>
+            <a:ext cx="14446779" cy="3867150"/>
+          </a:xfrm>
+          <a:prstGeom prst="rect">
+            <a:avLst/>
+          </a:prstGeom>
+        </p:spPr>
+        <p:txBody>
+          <a:bodyPr anchor="t" rtlCol="false" tIns="0" lIns="0" bIns="0" rIns="0">
+            <a:spAutoFit/>
+          </a:bodyPr>
+          <a:lstStyle/>
+          <a:p>
+            <a:pPr algn="l">
+              <a:lnSpc>
+                <a:spcPts val="30403"/>
+              </a:lnSpc>
+            </a:pPr>
+            <a:r>
+              <a:rPr lang="en-US" sz="25336" spc="-299">
+                <a:solidFill>
+                  <a:srgbClr val="18181A"/>
+                </a:solidFill>
+                <a:latin typeface="DejaVu Sans Bold"/>
+                <a:ea typeface="DejaVu Sans Bold"/>
+                <a:cs typeface="DejaVu Sans Bold"/>
+                <a:sym typeface="DejaVu Sans Bold"/>
+              </a:rPr>
+              <a:t>Thanks!</a:t>
+            </a:r>
+          </a:p>
+        </p:txBody>
+      </p:sp>
+      <p:grpSp>
+        <p:nvGrpSpPr>
+          <p:cNvPr name="Group 43" id="43"/>
+          <p:cNvGrpSpPr/>
+          <p:nvPr/>
+        </p:nvGrpSpPr>
+        <p:grpSpPr>
+          <a:xfrm rot="0">
+            <a:off x="15910943" y="-38139"/>
+            <a:ext cx="1882547" cy="5236775"/>
+            <a:chOff x="0" y="0"/>
+            <a:chExt cx="2510062" cy="6982366"/>
+          </a:xfrm>
+        </p:grpSpPr>
+        <p:sp>
+          <p:nvSpPr>
+            <p:cNvPr name="Freeform 44" id="44"/>
+            <p:cNvSpPr/>
+            <p:nvPr/>
+          </p:nvSpPr>
+          <p:spPr>
+            <a:xfrm flipH="false" flipV="false" rot="0">
+              <a:off x="0" y="50800"/>
+              <a:ext cx="1254887" cy="6931279"/>
+            </a:xfrm>
+            <a:custGeom>
+              <a:avLst/>
+              <a:gdLst/>
+              <a:ahLst/>
+              <a:cxnLst/>
+              <a:rect r="r" b="b" t="t" l="l"/>
+              <a:pathLst>
+                <a:path h="6931279" w="1254887">
+                  <a:moveTo>
+                    <a:pt x="1254887" y="6931279"/>
+                  </a:moveTo>
+                  <a:lnTo>
+                    <a:pt x="50800" y="6931279"/>
+                  </a:lnTo>
+                  <a:cubicBezTo>
+                    <a:pt x="22733" y="6931279"/>
+                    <a:pt x="0" y="6908547"/>
+                    <a:pt x="0" y="6880479"/>
+                  </a:cubicBezTo>
+                  <a:lnTo>
+                    <a:pt x="0" y="0"/>
+                  </a:lnTo>
+                  <a:lnTo>
+                    <a:pt x="101727" y="0"/>
+                  </a:lnTo>
+                  <a:lnTo>
+                    <a:pt x="101727" y="6880479"/>
+                  </a:lnTo>
+                  <a:lnTo>
+                    <a:pt x="50800" y="6880479"/>
+                  </a:lnTo>
+                  <a:lnTo>
+                    <a:pt x="50800" y="6829679"/>
+                  </a:lnTo>
+                  <a:lnTo>
+                    <a:pt x="1254760" y="6829679"/>
+                  </a:lnTo>
+                  <a:close/>
+                </a:path>
+              </a:pathLst>
+            </a:custGeom>
+            <a:solidFill>
+              <a:srgbClr val="FFB700"/>
+            </a:solidFill>
+          </p:spPr>
+        </p:sp>
+        <p:sp>
+          <p:nvSpPr>
+            <p:cNvPr name="Freeform 45" id="45"/>
+            <p:cNvSpPr/>
+            <p:nvPr/>
+          </p:nvSpPr>
+          <p:spPr>
+            <a:xfrm flipH="false" flipV="false" rot="0">
+              <a:off x="1254887" y="50800"/>
+              <a:ext cx="1255014" cy="6931279"/>
+            </a:xfrm>
+            <a:custGeom>
+              <a:avLst/>
+              <a:gdLst/>
+              <a:ahLst/>
+              <a:cxnLst/>
+              <a:rect r="r" b="b" t="t" l="l"/>
+              <a:pathLst>
+                <a:path h="6931279" w="1255014">
+                  <a:moveTo>
+                    <a:pt x="1255014" y="0"/>
+                  </a:moveTo>
+                  <a:lnTo>
+                    <a:pt x="1255014" y="6880479"/>
+                  </a:lnTo>
+                  <a:cubicBezTo>
+                    <a:pt x="1255014" y="6908547"/>
+                    <a:pt x="1232281" y="6931279"/>
+                    <a:pt x="1204214" y="6931279"/>
+                  </a:cubicBezTo>
+                  <a:lnTo>
+                    <a:pt x="0" y="6931279"/>
+                  </a:lnTo>
+                  <a:lnTo>
+                    <a:pt x="0" y="6829552"/>
+                  </a:lnTo>
+                  <a:lnTo>
+                    <a:pt x="1204214" y="6829552"/>
+                  </a:lnTo>
+                  <a:lnTo>
+                    <a:pt x="1204214" y="6880352"/>
+                  </a:lnTo>
+                  <a:lnTo>
+                    <a:pt x="1153414" y="6880352"/>
+                  </a:lnTo>
+                  <a:lnTo>
+                    <a:pt x="1153414" y="0"/>
+                  </a:lnTo>
+                  <a:close/>
+                </a:path>
+              </a:pathLst>
+            </a:custGeom>
+            <a:solidFill>
+              <a:srgbClr val="FFB700"/>
+            </a:solidFill>
+          </p:spPr>
+        </p:sp>
+      </p:grpSp>
+      <p:grpSp>
+        <p:nvGrpSpPr>
+          <p:cNvPr name="Group 46" id="46"/>
+          <p:cNvGrpSpPr/>
+          <p:nvPr/>
+        </p:nvGrpSpPr>
+        <p:grpSpPr>
+          <a:xfrm rot="0">
+            <a:off x="0" y="8668607"/>
+            <a:ext cx="5292508" cy="1613330"/>
+            <a:chOff x="0" y="0"/>
+            <a:chExt cx="7056678" cy="2151106"/>
+          </a:xfrm>
+        </p:grpSpPr>
+        <p:sp>
+          <p:nvSpPr>
+            <p:cNvPr name="Freeform 47" id="47"/>
+            <p:cNvSpPr/>
+            <p:nvPr/>
+          </p:nvSpPr>
+          <p:spPr>
+            <a:xfrm flipH="false" flipV="false" rot="0">
+              <a:off x="0" y="0"/>
+              <a:ext cx="7056501" cy="2150745"/>
+            </a:xfrm>
+            <a:custGeom>
+              <a:avLst/>
+              <a:gdLst/>
+              <a:ahLst/>
+              <a:cxnLst/>
+              <a:rect r="r" b="b" t="t" l="l"/>
+              <a:pathLst>
+                <a:path h="2150745" w="7056501">
+                  <a:moveTo>
+                    <a:pt x="0" y="2150745"/>
+                  </a:moveTo>
+                  <a:lnTo>
+                    <a:pt x="0" y="0"/>
+                  </a:lnTo>
+                  <a:lnTo>
+                    <a:pt x="7056501" y="0"/>
+                  </a:lnTo>
+                  <a:lnTo>
+                    <a:pt x="7056501" y="2150745"/>
+                  </a:lnTo>
+                  <a:lnTo>
+                    <a:pt x="0" y="2150745"/>
+                  </a:lnTo>
+                  <a:close/>
+                </a:path>
+              </a:pathLst>
+            </a:custGeom>
+            <a:solidFill>
+              <a:srgbClr val="18181A"/>
+            </a:solidFill>
+          </p:spPr>
+        </p:sp>
+      </p:grpSp>
+      <p:grpSp>
+        <p:nvGrpSpPr>
+          <p:cNvPr name="Group 48" id="48"/>
+          <p:cNvGrpSpPr/>
+          <p:nvPr/>
+        </p:nvGrpSpPr>
+        <p:grpSpPr>
+          <a:xfrm rot="0">
+            <a:off x="13673573" y="8668607"/>
+            <a:ext cx="4603892" cy="266561"/>
+            <a:chOff x="0" y="0"/>
+            <a:chExt cx="6138523" cy="355415"/>
+          </a:xfrm>
+        </p:grpSpPr>
+        <p:sp>
+          <p:nvSpPr>
+            <p:cNvPr name="Freeform 49" id="49"/>
+            <p:cNvSpPr/>
+            <p:nvPr/>
+          </p:nvSpPr>
+          <p:spPr>
+            <a:xfrm flipH="false" flipV="false" rot="0">
+              <a:off x="0" y="0"/>
+              <a:ext cx="6137783" cy="355473"/>
+            </a:xfrm>
+            <a:custGeom>
+              <a:avLst/>
+              <a:gdLst/>
+              <a:ahLst/>
+              <a:cxnLst/>
+              <a:rect r="r" b="b" t="t" l="l"/>
+              <a:pathLst>
+                <a:path h="355473" w="6137783">
+                  <a:moveTo>
+                    <a:pt x="6137783" y="355473"/>
+                  </a:moveTo>
+                  <a:lnTo>
+                    <a:pt x="0" y="355473"/>
+                  </a:lnTo>
+                  <a:lnTo>
+                    <a:pt x="0" y="0"/>
+                  </a:lnTo>
+                  <a:lnTo>
+                    <a:pt x="6137783" y="0"/>
+                  </a:lnTo>
+                  <a:lnTo>
+                    <a:pt x="6137783" y="355473"/>
+                  </a:lnTo>
+                  <a:close/>
+                </a:path>
+              </a:pathLst>
+            </a:custGeom>
+            <a:solidFill>
+              <a:srgbClr val="86808A"/>
+            </a:solidFill>
+          </p:spPr>
+        </p:sp>
+      </p:grpSp>
     </p:spTree>
   </p:cSld>
   <p:clrMapOvr>
@@ -5900,6 +7977,13 @@
 <file path=ppt/slides/slide3.xml><?xml version="1.0" encoding="utf-8"?>
 <p:sld xmlns:p="http://schemas.openxmlformats.org/presentationml/2006/main" xmlns:a="http://schemas.openxmlformats.org/drawingml/2006/main" xmlns:r="http://schemas.openxmlformats.org/officeDocument/2006/relationships">
   <p:cSld>
+    <p:bg>
+      <p:bgPr>
+        <a:solidFill>
+          <a:srgbClr val="C2C2DF"/>
+        </a:solidFill>
+      </p:bgPr>
+    </p:bg>
     <p:spTree>
       <p:nvGrpSpPr>
         <p:cNvPr id="1" name=""/>
@@ -16069,8 +18153,8 @@
         </p:nvSpPr>
         <p:spPr>
           <a:xfrm rot="0">
-            <a:off x="663608" y="3204523"/>
-            <a:ext cx="14446779" cy="3867150"/>
+            <a:off x="1158957" y="1865293"/>
+            <a:ext cx="6113345" cy="1429910"/>
           </a:xfrm>
           <a:prstGeom prst="rect">
             <a:avLst/>
@@ -16084,11 +18168,11 @@
           <a:p>
             <a:pPr algn="l">
               <a:lnSpc>
-                <a:spcPts val="30403"/>
+                <a:spcPts val="11269"/>
               </a:lnSpc>
             </a:pPr>
             <a:r>
-              <a:rPr lang="en-US" sz="25336" spc="-299">
+              <a:rPr lang="en-US" sz="9391" spc="-111">
                 <a:solidFill>
                   <a:srgbClr val="18181A"/>
                 </a:solidFill>
@@ -16097,7 +18181,7 @@
                 <a:cs typeface="DejaVu Sans Bold"/>
                 <a:sym typeface="DejaVu Sans Bold"/>
               </a:rPr>
-              <a:t>Thanks!</a:t>
+              <a:t>Glossary</a:t>
             </a:r>
           </a:p>
         </p:txBody>
@@ -16347,6 +18431,2357 @@
           </p:spPr>
         </p:sp>
       </p:grpSp>
+      <p:sp>
+        <p:nvSpPr>
+          <p:cNvPr name="TextBox 50" id="50"/>
+          <p:cNvSpPr txBox="true"/>
+          <p:nvPr/>
+        </p:nvSpPr>
+        <p:spPr>
+          <a:xfrm rot="0">
+            <a:off x="716505" y="3480438"/>
+            <a:ext cx="14815267" cy="3814758"/>
+          </a:xfrm>
+          <a:prstGeom prst="rect">
+            <a:avLst/>
+          </a:prstGeom>
+        </p:spPr>
+        <p:txBody>
+          <a:bodyPr anchor="t" rtlCol="false" tIns="0" lIns="0" bIns="0" rIns="0">
+            <a:spAutoFit/>
+          </a:bodyPr>
+          <a:lstStyle/>
+          <a:p>
+            <a:pPr algn="l" marL="490089" indent="-245044" lvl="1">
+              <a:lnSpc>
+                <a:spcPts val="2723"/>
+              </a:lnSpc>
+              <a:buFont typeface="Arial"/>
+              <a:buChar char="•"/>
+            </a:pPr>
+            <a:r>
+              <a:rPr lang="en-US" sz="2269" spc="-140">
+                <a:solidFill>
+                  <a:srgbClr val="18181A"/>
+                </a:solidFill>
+                <a:latin typeface="DejaVu Sans Light"/>
+                <a:ea typeface="DejaVu Sans Light"/>
+                <a:cs typeface="DejaVu Sans Light"/>
+                <a:sym typeface="DejaVu Sans Light"/>
+              </a:rPr>
+              <a:t>Website Creation Process: The sequence of steps and strategies used to design, develop, and launch a successful website.</a:t>
+            </a:r>
+          </a:p>
+          <a:p>
+            <a:pPr algn="l" marL="490089" indent="-245044" lvl="1">
+              <a:lnSpc>
+                <a:spcPts val="2723"/>
+              </a:lnSpc>
+              <a:buFont typeface="Arial"/>
+              <a:buChar char="•"/>
+            </a:pPr>
+            <a:r>
+              <a:rPr lang="en-US" sz="2269" spc="-140">
+                <a:solidFill>
+                  <a:srgbClr val="18181A"/>
+                </a:solidFill>
+                <a:latin typeface="DejaVu Sans Light"/>
+                <a:ea typeface="DejaVu Sans Light"/>
+                <a:cs typeface="DejaVu Sans Light"/>
+                <a:sym typeface="DejaVu Sans Light"/>
+              </a:rPr>
+              <a:t>Brand Identity: The set of visual, emotional, and cultural elements that represent a brand and differentiate it from others.</a:t>
+            </a:r>
+          </a:p>
+          <a:p>
+            <a:pPr algn="l" marL="490089" indent="-245044" lvl="1">
+              <a:lnSpc>
+                <a:spcPts val="2723"/>
+              </a:lnSpc>
+              <a:buFont typeface="Arial"/>
+              <a:buChar char="•"/>
+            </a:pPr>
+            <a:r>
+              <a:rPr lang="en-US" sz="2269" spc="-140">
+                <a:solidFill>
+                  <a:srgbClr val="18181A"/>
+                </a:solidFill>
+                <a:latin typeface="DejaVu Sans Light"/>
+                <a:ea typeface="DejaVu Sans Light"/>
+                <a:cs typeface="DejaVu Sans Light"/>
+                <a:sym typeface="DejaVu Sans Light"/>
+              </a:rPr>
+              <a:t>Target Audience: A specific group of people to whom a product, service, or content is directed.</a:t>
+            </a:r>
+          </a:p>
+          <a:p>
+            <a:pPr algn="l" marL="490089" indent="-245044" lvl="1">
+              <a:lnSpc>
+                <a:spcPts val="2723"/>
+              </a:lnSpc>
+              <a:buFont typeface="Arial"/>
+              <a:buChar char="•"/>
+            </a:pPr>
+            <a:r>
+              <a:rPr lang="en-US" sz="2269" spc="-140">
+                <a:solidFill>
+                  <a:srgbClr val="18181A"/>
+                </a:solidFill>
+                <a:latin typeface="DejaVu Sans Light"/>
+                <a:ea typeface="DejaVu Sans Light"/>
+                <a:cs typeface="DejaVu Sans Light"/>
+                <a:sym typeface="DejaVu Sans Light"/>
+              </a:rPr>
+              <a:t>Design and User Experience (UX): The process of enhancing user satisfaction by improving the usability, accessibility, and interaction between the user and the product.</a:t>
+            </a:r>
+          </a:p>
+          <a:p>
+            <a:pPr algn="l" marL="490089" indent="-245044" lvl="1">
+              <a:lnSpc>
+                <a:spcPts val="2723"/>
+              </a:lnSpc>
+              <a:buFont typeface="Arial"/>
+              <a:buChar char="•"/>
+            </a:pPr>
+            <a:r>
+              <a:rPr lang="en-US" sz="2269" spc="-140">
+                <a:solidFill>
+                  <a:srgbClr val="18181A"/>
+                </a:solidFill>
+                <a:latin typeface="DejaVu Sans Light"/>
+                <a:ea typeface="DejaVu Sans Light"/>
+                <a:cs typeface="DejaVu Sans Light"/>
+                <a:sym typeface="DejaVu Sans Light"/>
+              </a:rPr>
+              <a:t>Wireframes: Basic design sketches that show the structure and layout of a web page before adding visual details.</a:t>
+            </a:r>
+          </a:p>
+          <a:p>
+            <a:pPr algn="l" marL="490089" indent="-245044" lvl="1">
+              <a:lnSpc>
+                <a:spcPts val="2723"/>
+              </a:lnSpc>
+              <a:buFont typeface="Arial"/>
+              <a:buChar char="•"/>
+            </a:pPr>
+            <a:r>
+              <a:rPr lang="en-US" sz="2269" spc="-140">
+                <a:solidFill>
+                  <a:srgbClr val="18181A"/>
+                </a:solidFill>
+                <a:latin typeface="DejaVu Sans Light"/>
+                <a:ea typeface="DejaVu Sans Light"/>
+                <a:cs typeface="DejaVu Sans Light"/>
+                <a:sym typeface="DejaVu Sans Light"/>
+              </a:rPr>
+              <a:t>Prototypes: Preliminary models of a product that allow the evaluation of its design and functionality before final production</a:t>
+            </a:r>
+          </a:p>
+        </p:txBody>
+      </p:sp>
+    </p:spTree>
+  </p:cSld>
+  <p:clrMapOvr>
+    <a:masterClrMapping/>
+  </p:clrMapOvr>
+</p:sld>
+</file>
+
+<file path=ppt/slides/slide9.xml><?xml version="1.0" encoding="utf-8"?>
+<p:sld xmlns:p="http://schemas.openxmlformats.org/presentationml/2006/main" xmlns:a="http://schemas.openxmlformats.org/drawingml/2006/main">
+  <p:cSld>
+    <p:spTree>
+      <p:nvGrpSpPr>
+        <p:cNvPr id="1" name=""/>
+        <p:cNvGrpSpPr/>
+        <p:nvPr/>
+      </p:nvGrpSpPr>
+      <p:grpSpPr>
+        <a:xfrm>
+          <a:off x="0" y="0"/>
+          <a:ext cx="0" cy="0"/>
+          <a:chOff x="0" y="0"/>
+          <a:chExt cx="0" cy="0"/>
+        </a:xfrm>
+      </p:grpSpPr>
+      <p:grpSp>
+        <p:nvGrpSpPr>
+          <p:cNvPr name="Group 2" id="2"/>
+          <p:cNvGrpSpPr/>
+          <p:nvPr/>
+        </p:nvGrpSpPr>
+        <p:grpSpPr>
+          <a:xfrm rot="0">
+            <a:off x="0" y="0"/>
+            <a:ext cx="18278480" cy="10281645"/>
+            <a:chOff x="0" y="0"/>
+            <a:chExt cx="24371307" cy="13708860"/>
+          </a:xfrm>
+        </p:grpSpPr>
+        <p:sp>
+          <p:nvSpPr>
+            <p:cNvPr name="Freeform 3" id="3"/>
+            <p:cNvSpPr/>
+            <p:nvPr/>
+          </p:nvSpPr>
+          <p:spPr>
+            <a:xfrm flipH="false" flipV="false" rot="0">
+              <a:off x="0" y="0"/>
+              <a:ext cx="24371300" cy="13708887"/>
+            </a:xfrm>
+            <a:custGeom>
+              <a:avLst/>
+              <a:gdLst/>
+              <a:ahLst/>
+              <a:cxnLst/>
+              <a:rect r="r" b="b" t="t" l="l"/>
+              <a:pathLst>
+                <a:path h="13708887" w="24371300">
+                  <a:moveTo>
+                    <a:pt x="24371300" y="0"/>
+                  </a:moveTo>
+                  <a:lnTo>
+                    <a:pt x="0" y="0"/>
+                  </a:lnTo>
+                  <a:lnTo>
+                    <a:pt x="0" y="13708887"/>
+                  </a:lnTo>
+                  <a:lnTo>
+                    <a:pt x="24371300" y="13708887"/>
+                  </a:lnTo>
+                  <a:lnTo>
+                    <a:pt x="24371300" y="0"/>
+                  </a:lnTo>
+                  <a:close/>
+                </a:path>
+              </a:pathLst>
+            </a:custGeom>
+            <a:solidFill>
+              <a:srgbClr val="C2C2DF"/>
+            </a:solidFill>
+          </p:spPr>
+        </p:sp>
+      </p:grpSp>
+      <p:grpSp>
+        <p:nvGrpSpPr>
+          <p:cNvPr name="Group 4" id="4"/>
+          <p:cNvGrpSpPr/>
+          <p:nvPr/>
+        </p:nvGrpSpPr>
+        <p:grpSpPr>
+          <a:xfrm rot="0">
+            <a:off x="0" y="0"/>
+            <a:ext cx="18278480" cy="10281645"/>
+            <a:chOff x="0" y="0"/>
+            <a:chExt cx="24371307" cy="13708860"/>
+          </a:xfrm>
+        </p:grpSpPr>
+        <p:sp>
+          <p:nvSpPr>
+            <p:cNvPr name="Freeform 5" id="5"/>
+            <p:cNvSpPr/>
+            <p:nvPr/>
+          </p:nvSpPr>
+          <p:spPr>
+            <a:xfrm flipH="false" flipV="false" rot="0">
+              <a:off x="0" y="0"/>
+              <a:ext cx="24371300" cy="13708887"/>
+            </a:xfrm>
+            <a:custGeom>
+              <a:avLst/>
+              <a:gdLst/>
+              <a:ahLst/>
+              <a:cxnLst/>
+              <a:rect r="r" b="b" t="t" l="l"/>
+              <a:pathLst>
+                <a:path h="13708887" w="24371300">
+                  <a:moveTo>
+                    <a:pt x="24371300" y="0"/>
+                  </a:moveTo>
+                  <a:lnTo>
+                    <a:pt x="0" y="0"/>
+                  </a:lnTo>
+                  <a:lnTo>
+                    <a:pt x="0" y="13708887"/>
+                  </a:lnTo>
+                  <a:lnTo>
+                    <a:pt x="24371300" y="13708887"/>
+                  </a:lnTo>
+                  <a:lnTo>
+                    <a:pt x="24371300" y="0"/>
+                  </a:lnTo>
+                  <a:close/>
+                </a:path>
+              </a:pathLst>
+            </a:custGeom>
+            <a:solidFill>
+              <a:srgbClr val="C2C2DF"/>
+            </a:solidFill>
+          </p:spPr>
+        </p:sp>
+      </p:grpSp>
+      <p:grpSp>
+        <p:nvGrpSpPr>
+          <p:cNvPr name="Group 6" id="6"/>
+          <p:cNvGrpSpPr/>
+          <p:nvPr/>
+        </p:nvGrpSpPr>
+        <p:grpSpPr>
+          <a:xfrm rot="0">
+            <a:off x="1158957" y="1069020"/>
+            <a:ext cx="8276149" cy="8153022"/>
+            <a:chOff x="0" y="0"/>
+            <a:chExt cx="11034865" cy="10870696"/>
+          </a:xfrm>
+        </p:grpSpPr>
+        <p:sp>
+          <p:nvSpPr>
+            <p:cNvPr name="Freeform 7" id="7"/>
+            <p:cNvSpPr/>
+            <p:nvPr/>
+          </p:nvSpPr>
+          <p:spPr>
+            <a:xfrm flipH="false" flipV="false" rot="0">
+              <a:off x="0" y="0"/>
+              <a:ext cx="11034141" cy="10870057"/>
+            </a:xfrm>
+            <a:custGeom>
+              <a:avLst/>
+              <a:gdLst/>
+              <a:ahLst/>
+              <a:cxnLst/>
+              <a:rect r="r" b="b" t="t" l="l"/>
+              <a:pathLst>
+                <a:path h="10870057" w="11034141">
+                  <a:moveTo>
+                    <a:pt x="5517515" y="10870057"/>
+                  </a:moveTo>
+                  <a:lnTo>
+                    <a:pt x="25400" y="10870057"/>
+                  </a:lnTo>
+                  <a:cubicBezTo>
+                    <a:pt x="11303" y="10870057"/>
+                    <a:pt x="0" y="10858626"/>
+                    <a:pt x="0" y="10844657"/>
+                  </a:cubicBezTo>
+                  <a:lnTo>
+                    <a:pt x="0" y="25400"/>
+                  </a:lnTo>
+                  <a:cubicBezTo>
+                    <a:pt x="0" y="11430"/>
+                    <a:pt x="11430" y="0"/>
+                    <a:pt x="25400" y="0"/>
+                  </a:cubicBezTo>
+                  <a:lnTo>
+                    <a:pt x="11008741" y="0"/>
+                  </a:lnTo>
+                  <a:cubicBezTo>
+                    <a:pt x="11022838" y="0"/>
+                    <a:pt x="11034141" y="11430"/>
+                    <a:pt x="11034141" y="25400"/>
+                  </a:cubicBezTo>
+                  <a:lnTo>
+                    <a:pt x="11034141" y="10844657"/>
+                  </a:lnTo>
+                  <a:cubicBezTo>
+                    <a:pt x="11034141" y="10858753"/>
+                    <a:pt x="11022711" y="10870057"/>
+                    <a:pt x="11008741" y="10870057"/>
+                  </a:cubicBezTo>
+                  <a:lnTo>
+                    <a:pt x="5517515" y="10870057"/>
+                  </a:lnTo>
+                  <a:lnTo>
+                    <a:pt x="5517515" y="10844657"/>
+                  </a:lnTo>
+                  <a:lnTo>
+                    <a:pt x="5517515" y="10870057"/>
+                  </a:lnTo>
+                  <a:moveTo>
+                    <a:pt x="5517515" y="10819257"/>
+                  </a:moveTo>
+                  <a:lnTo>
+                    <a:pt x="11008741" y="10819257"/>
+                  </a:lnTo>
+                  <a:lnTo>
+                    <a:pt x="11008741" y="10844657"/>
+                  </a:lnTo>
+                  <a:lnTo>
+                    <a:pt x="10983341" y="10844657"/>
+                  </a:lnTo>
+                  <a:lnTo>
+                    <a:pt x="10983341" y="25400"/>
+                  </a:lnTo>
+                  <a:lnTo>
+                    <a:pt x="11008741" y="25400"/>
+                  </a:lnTo>
+                  <a:lnTo>
+                    <a:pt x="11008741" y="50800"/>
+                  </a:lnTo>
+                  <a:lnTo>
+                    <a:pt x="25400" y="50800"/>
+                  </a:lnTo>
+                  <a:lnTo>
+                    <a:pt x="25400" y="25400"/>
+                  </a:lnTo>
+                  <a:lnTo>
+                    <a:pt x="50800" y="25400"/>
+                  </a:lnTo>
+                  <a:lnTo>
+                    <a:pt x="50800" y="10844657"/>
+                  </a:lnTo>
+                  <a:lnTo>
+                    <a:pt x="25400" y="10844657"/>
+                  </a:lnTo>
+                  <a:lnTo>
+                    <a:pt x="25400" y="10819257"/>
+                  </a:lnTo>
+                  <a:lnTo>
+                    <a:pt x="5517515" y="10819257"/>
+                  </a:lnTo>
+                  <a:close/>
+                </a:path>
+              </a:pathLst>
+            </a:custGeom>
+            <a:solidFill>
+              <a:srgbClr val="29282C"/>
+            </a:solidFill>
+          </p:spPr>
+        </p:sp>
+      </p:grpSp>
+      <p:grpSp>
+        <p:nvGrpSpPr>
+          <p:cNvPr name="Group 8" id="8"/>
+          <p:cNvGrpSpPr/>
+          <p:nvPr/>
+        </p:nvGrpSpPr>
+        <p:grpSpPr>
+          <a:xfrm rot="0">
+            <a:off x="0" y="1847993"/>
+            <a:ext cx="16852378" cy="6585965"/>
+            <a:chOff x="0" y="0"/>
+            <a:chExt cx="22469837" cy="8781286"/>
+          </a:xfrm>
+        </p:grpSpPr>
+        <p:sp>
+          <p:nvSpPr>
+            <p:cNvPr name="Freeform 9" id="9"/>
+            <p:cNvSpPr/>
+            <p:nvPr/>
+          </p:nvSpPr>
+          <p:spPr>
+            <a:xfrm flipH="false" flipV="false" rot="0">
+              <a:off x="0" y="0"/>
+              <a:ext cx="22469475" cy="8781288"/>
+            </a:xfrm>
+            <a:custGeom>
+              <a:avLst/>
+              <a:gdLst/>
+              <a:ahLst/>
+              <a:cxnLst/>
+              <a:rect r="r" b="b" t="t" l="l"/>
+              <a:pathLst>
+                <a:path h="8781288" w="22469475">
+                  <a:moveTo>
+                    <a:pt x="22469475" y="0"/>
+                  </a:moveTo>
+                  <a:lnTo>
+                    <a:pt x="0" y="0"/>
+                  </a:lnTo>
+                  <a:lnTo>
+                    <a:pt x="0" y="8781288"/>
+                  </a:lnTo>
+                  <a:lnTo>
+                    <a:pt x="11234674" y="8781288"/>
+                  </a:lnTo>
+                  <a:lnTo>
+                    <a:pt x="22469475" y="8781288"/>
+                  </a:lnTo>
+                  <a:lnTo>
+                    <a:pt x="22469475" y="0"/>
+                  </a:lnTo>
+                  <a:close/>
+                </a:path>
+              </a:pathLst>
+            </a:custGeom>
+            <a:solidFill>
+              <a:srgbClr val="FFFFFF"/>
+            </a:solidFill>
+          </p:spPr>
+        </p:sp>
+      </p:grpSp>
+      <p:grpSp>
+        <p:nvGrpSpPr>
+          <p:cNvPr name="Group 10" id="10"/>
+          <p:cNvGrpSpPr/>
+          <p:nvPr/>
+        </p:nvGrpSpPr>
+        <p:grpSpPr>
+          <a:xfrm rot="0">
+            <a:off x="1178026" y="355491"/>
+            <a:ext cx="224673" cy="375724"/>
+            <a:chOff x="0" y="0"/>
+            <a:chExt cx="299564" cy="500966"/>
+          </a:xfrm>
+        </p:grpSpPr>
+        <p:sp>
+          <p:nvSpPr>
+            <p:cNvPr name="Freeform 11" id="11"/>
+            <p:cNvSpPr/>
+            <p:nvPr/>
+          </p:nvSpPr>
+          <p:spPr>
+            <a:xfrm flipH="false" flipV="false" rot="0">
+              <a:off x="0" y="0"/>
+              <a:ext cx="299339" cy="500888"/>
+            </a:xfrm>
+            <a:custGeom>
+              <a:avLst/>
+              <a:gdLst/>
+              <a:ahLst/>
+              <a:cxnLst/>
+              <a:rect r="r" b="b" t="t" l="l"/>
+              <a:pathLst>
+                <a:path h="500888" w="299339">
+                  <a:moveTo>
+                    <a:pt x="299339" y="0"/>
+                  </a:moveTo>
+                  <a:lnTo>
+                    <a:pt x="255270" y="0"/>
+                  </a:lnTo>
+                  <a:lnTo>
+                    <a:pt x="0" y="500888"/>
+                  </a:lnTo>
+                  <a:lnTo>
+                    <a:pt x="43180" y="500888"/>
+                  </a:lnTo>
+                  <a:lnTo>
+                    <a:pt x="299339" y="0"/>
+                  </a:lnTo>
+                  <a:close/>
+                </a:path>
+              </a:pathLst>
+            </a:custGeom>
+            <a:solidFill>
+              <a:srgbClr val="18181A"/>
+            </a:solidFill>
+          </p:spPr>
+        </p:sp>
+      </p:grpSp>
+      <p:grpSp>
+        <p:nvGrpSpPr>
+          <p:cNvPr name="Group 12" id="12"/>
+          <p:cNvGrpSpPr/>
+          <p:nvPr/>
+        </p:nvGrpSpPr>
+        <p:grpSpPr>
+          <a:xfrm rot="0">
+            <a:off x="1168671" y="346129"/>
+            <a:ext cx="243381" cy="394433"/>
+            <a:chOff x="0" y="0"/>
+            <a:chExt cx="324508" cy="525910"/>
+          </a:xfrm>
+        </p:grpSpPr>
+        <p:sp>
+          <p:nvSpPr>
+            <p:cNvPr name="Freeform 13" id="13"/>
+            <p:cNvSpPr/>
+            <p:nvPr/>
+          </p:nvSpPr>
+          <p:spPr>
+            <a:xfrm flipH="false" flipV="false" rot="0">
+              <a:off x="-635" y="0"/>
+              <a:ext cx="325501" cy="525780"/>
+            </a:xfrm>
+            <a:custGeom>
+              <a:avLst/>
+              <a:gdLst/>
+              <a:ahLst/>
+              <a:cxnLst/>
+              <a:rect r="r" b="b" t="t" l="l"/>
+              <a:pathLst>
+                <a:path h="525780" w="325501">
+                  <a:moveTo>
+                    <a:pt x="2032" y="507619"/>
+                  </a:moveTo>
+                  <a:lnTo>
+                    <a:pt x="257175" y="6858"/>
+                  </a:lnTo>
+                  <a:cubicBezTo>
+                    <a:pt x="259334" y="2667"/>
+                    <a:pt x="263652" y="0"/>
+                    <a:pt x="268351" y="0"/>
+                  </a:cubicBezTo>
+                  <a:lnTo>
+                    <a:pt x="312420" y="0"/>
+                  </a:lnTo>
+                  <a:cubicBezTo>
+                    <a:pt x="316738" y="0"/>
+                    <a:pt x="320802" y="2286"/>
+                    <a:pt x="323088" y="5969"/>
+                  </a:cubicBezTo>
+                  <a:cubicBezTo>
+                    <a:pt x="325374" y="9652"/>
+                    <a:pt x="325501" y="14351"/>
+                    <a:pt x="323596" y="18161"/>
+                  </a:cubicBezTo>
+                  <a:lnTo>
+                    <a:pt x="67437" y="519049"/>
+                  </a:lnTo>
+                  <a:cubicBezTo>
+                    <a:pt x="65278" y="523240"/>
+                    <a:pt x="60960" y="525780"/>
+                    <a:pt x="56388" y="525780"/>
+                  </a:cubicBezTo>
+                  <a:lnTo>
+                    <a:pt x="13081" y="525780"/>
+                  </a:lnTo>
+                  <a:cubicBezTo>
+                    <a:pt x="8763" y="525780"/>
+                    <a:pt x="4699" y="523494"/>
+                    <a:pt x="2413" y="519811"/>
+                  </a:cubicBezTo>
+                  <a:cubicBezTo>
+                    <a:pt x="127" y="516128"/>
+                    <a:pt x="0" y="511556"/>
+                    <a:pt x="1905" y="507619"/>
+                  </a:cubicBezTo>
+                  <a:moveTo>
+                    <a:pt x="24130" y="518922"/>
+                  </a:moveTo>
+                  <a:lnTo>
+                    <a:pt x="12954" y="513207"/>
+                  </a:lnTo>
+                  <a:lnTo>
+                    <a:pt x="12954" y="500761"/>
+                  </a:lnTo>
+                  <a:lnTo>
+                    <a:pt x="56134" y="500761"/>
+                  </a:lnTo>
+                  <a:lnTo>
+                    <a:pt x="56134" y="513207"/>
+                  </a:lnTo>
+                  <a:lnTo>
+                    <a:pt x="45085" y="507492"/>
+                  </a:lnTo>
+                  <a:lnTo>
+                    <a:pt x="301371" y="6731"/>
+                  </a:lnTo>
+                  <a:lnTo>
+                    <a:pt x="312420" y="12446"/>
+                  </a:lnTo>
+                  <a:lnTo>
+                    <a:pt x="312420" y="24892"/>
+                  </a:lnTo>
+                  <a:lnTo>
+                    <a:pt x="268351" y="24892"/>
+                  </a:lnTo>
+                  <a:lnTo>
+                    <a:pt x="268351" y="12446"/>
+                  </a:lnTo>
+                  <a:lnTo>
+                    <a:pt x="279527" y="18161"/>
+                  </a:lnTo>
+                  <a:lnTo>
+                    <a:pt x="24257" y="518922"/>
+                  </a:lnTo>
+                  <a:close/>
+                </a:path>
+              </a:pathLst>
+            </a:custGeom>
+            <a:solidFill>
+              <a:srgbClr val="18181A"/>
+            </a:solidFill>
+          </p:spPr>
+        </p:sp>
+      </p:grpSp>
+      <p:grpSp>
+        <p:nvGrpSpPr>
+          <p:cNvPr name="Group 14" id="14"/>
+          <p:cNvGrpSpPr/>
+          <p:nvPr/>
+        </p:nvGrpSpPr>
+        <p:grpSpPr>
+          <a:xfrm rot="0">
+            <a:off x="1402531" y="355491"/>
+            <a:ext cx="224673" cy="375724"/>
+            <a:chOff x="0" y="0"/>
+            <a:chExt cx="299564" cy="500966"/>
+          </a:xfrm>
+        </p:grpSpPr>
+        <p:sp>
+          <p:nvSpPr>
+            <p:cNvPr name="Freeform 15" id="15"/>
+            <p:cNvSpPr/>
+            <p:nvPr/>
+          </p:nvSpPr>
+          <p:spPr>
+            <a:xfrm flipH="false" flipV="false" rot="0">
+              <a:off x="0" y="0"/>
+              <a:ext cx="299339" cy="500888"/>
+            </a:xfrm>
+            <a:custGeom>
+              <a:avLst/>
+              <a:gdLst/>
+              <a:ahLst/>
+              <a:cxnLst/>
+              <a:rect r="r" b="b" t="t" l="l"/>
+              <a:pathLst>
+                <a:path h="500888" w="299339">
+                  <a:moveTo>
+                    <a:pt x="299339" y="0"/>
+                  </a:moveTo>
+                  <a:lnTo>
+                    <a:pt x="255143" y="0"/>
+                  </a:lnTo>
+                  <a:lnTo>
+                    <a:pt x="0" y="500888"/>
+                  </a:lnTo>
+                  <a:lnTo>
+                    <a:pt x="43180" y="500888"/>
+                  </a:lnTo>
+                  <a:lnTo>
+                    <a:pt x="299339" y="0"/>
+                  </a:lnTo>
+                  <a:close/>
+                </a:path>
+              </a:pathLst>
+            </a:custGeom>
+            <a:solidFill>
+              <a:srgbClr val="18181A"/>
+            </a:solidFill>
+          </p:spPr>
+        </p:sp>
+      </p:grpSp>
+      <p:grpSp>
+        <p:nvGrpSpPr>
+          <p:cNvPr name="Group 16" id="16"/>
+          <p:cNvGrpSpPr/>
+          <p:nvPr/>
+        </p:nvGrpSpPr>
+        <p:grpSpPr>
+          <a:xfrm rot="0">
+            <a:off x="1393174" y="346129"/>
+            <a:ext cx="243381" cy="394433"/>
+            <a:chOff x="0" y="0"/>
+            <a:chExt cx="324508" cy="525910"/>
+          </a:xfrm>
+        </p:grpSpPr>
+        <p:sp>
+          <p:nvSpPr>
+            <p:cNvPr name="Freeform 17" id="17"/>
+            <p:cNvSpPr/>
+            <p:nvPr/>
+          </p:nvSpPr>
+          <p:spPr>
+            <a:xfrm flipH="false" flipV="false" rot="0">
+              <a:off x="-635" y="0"/>
+              <a:ext cx="325501" cy="525780"/>
+            </a:xfrm>
+            <a:custGeom>
+              <a:avLst/>
+              <a:gdLst/>
+              <a:ahLst/>
+              <a:cxnLst/>
+              <a:rect r="r" b="b" t="t" l="l"/>
+              <a:pathLst>
+                <a:path h="525780" w="325501">
+                  <a:moveTo>
+                    <a:pt x="2032" y="507619"/>
+                  </a:moveTo>
+                  <a:lnTo>
+                    <a:pt x="257175" y="6858"/>
+                  </a:lnTo>
+                  <a:cubicBezTo>
+                    <a:pt x="259334" y="2667"/>
+                    <a:pt x="263652" y="0"/>
+                    <a:pt x="268351" y="0"/>
+                  </a:cubicBezTo>
+                  <a:lnTo>
+                    <a:pt x="312420" y="0"/>
+                  </a:lnTo>
+                  <a:cubicBezTo>
+                    <a:pt x="316738" y="0"/>
+                    <a:pt x="320802" y="2286"/>
+                    <a:pt x="323088" y="5969"/>
+                  </a:cubicBezTo>
+                  <a:cubicBezTo>
+                    <a:pt x="325374" y="9652"/>
+                    <a:pt x="325501" y="14351"/>
+                    <a:pt x="323596" y="18161"/>
+                  </a:cubicBezTo>
+                  <a:lnTo>
+                    <a:pt x="67437" y="519049"/>
+                  </a:lnTo>
+                  <a:cubicBezTo>
+                    <a:pt x="65278" y="523240"/>
+                    <a:pt x="60960" y="525780"/>
+                    <a:pt x="56388" y="525780"/>
+                  </a:cubicBezTo>
+                  <a:lnTo>
+                    <a:pt x="13081" y="525780"/>
+                  </a:lnTo>
+                  <a:cubicBezTo>
+                    <a:pt x="8763" y="525780"/>
+                    <a:pt x="4699" y="523494"/>
+                    <a:pt x="2413" y="519811"/>
+                  </a:cubicBezTo>
+                  <a:cubicBezTo>
+                    <a:pt x="127" y="516128"/>
+                    <a:pt x="0" y="511556"/>
+                    <a:pt x="1905" y="507619"/>
+                  </a:cubicBezTo>
+                  <a:moveTo>
+                    <a:pt x="24130" y="518922"/>
+                  </a:moveTo>
+                  <a:lnTo>
+                    <a:pt x="12954" y="513207"/>
+                  </a:lnTo>
+                  <a:lnTo>
+                    <a:pt x="12954" y="500761"/>
+                  </a:lnTo>
+                  <a:lnTo>
+                    <a:pt x="56134" y="500761"/>
+                  </a:lnTo>
+                  <a:lnTo>
+                    <a:pt x="56134" y="513207"/>
+                  </a:lnTo>
+                  <a:lnTo>
+                    <a:pt x="45085" y="507492"/>
+                  </a:lnTo>
+                  <a:lnTo>
+                    <a:pt x="301371" y="6731"/>
+                  </a:lnTo>
+                  <a:lnTo>
+                    <a:pt x="312420" y="12446"/>
+                  </a:lnTo>
+                  <a:lnTo>
+                    <a:pt x="312420" y="24892"/>
+                  </a:lnTo>
+                  <a:lnTo>
+                    <a:pt x="268351" y="24892"/>
+                  </a:lnTo>
+                  <a:lnTo>
+                    <a:pt x="268351" y="12446"/>
+                  </a:lnTo>
+                  <a:lnTo>
+                    <a:pt x="279527" y="18161"/>
+                  </a:lnTo>
+                  <a:lnTo>
+                    <a:pt x="24257" y="518922"/>
+                  </a:lnTo>
+                  <a:close/>
+                </a:path>
+              </a:pathLst>
+            </a:custGeom>
+            <a:solidFill>
+              <a:srgbClr val="18181A"/>
+            </a:solidFill>
+          </p:spPr>
+        </p:sp>
+      </p:grpSp>
+      <p:grpSp>
+        <p:nvGrpSpPr>
+          <p:cNvPr name="Group 18" id="18"/>
+          <p:cNvGrpSpPr/>
+          <p:nvPr/>
+        </p:nvGrpSpPr>
+        <p:grpSpPr>
+          <a:xfrm rot="0">
+            <a:off x="1626315" y="355491"/>
+            <a:ext cx="224673" cy="375724"/>
+            <a:chOff x="0" y="0"/>
+            <a:chExt cx="299564" cy="500966"/>
+          </a:xfrm>
+        </p:grpSpPr>
+        <p:sp>
+          <p:nvSpPr>
+            <p:cNvPr name="Freeform 19" id="19"/>
+            <p:cNvSpPr/>
+            <p:nvPr/>
+          </p:nvSpPr>
+          <p:spPr>
+            <a:xfrm flipH="false" flipV="false" rot="0">
+              <a:off x="0" y="0"/>
+              <a:ext cx="299339" cy="500888"/>
+            </a:xfrm>
+            <a:custGeom>
+              <a:avLst/>
+              <a:gdLst/>
+              <a:ahLst/>
+              <a:cxnLst/>
+              <a:rect r="r" b="b" t="t" l="l"/>
+              <a:pathLst>
+                <a:path h="500888" w="299339">
+                  <a:moveTo>
+                    <a:pt x="299339" y="0"/>
+                  </a:moveTo>
+                  <a:lnTo>
+                    <a:pt x="255143" y="0"/>
+                  </a:lnTo>
+                  <a:lnTo>
+                    <a:pt x="0" y="500888"/>
+                  </a:lnTo>
+                  <a:lnTo>
+                    <a:pt x="43180" y="500888"/>
+                  </a:lnTo>
+                  <a:lnTo>
+                    <a:pt x="299339" y="0"/>
+                  </a:lnTo>
+                  <a:close/>
+                </a:path>
+              </a:pathLst>
+            </a:custGeom>
+            <a:solidFill>
+              <a:srgbClr val="18181A"/>
+            </a:solidFill>
+          </p:spPr>
+        </p:sp>
+      </p:grpSp>
+      <p:grpSp>
+        <p:nvGrpSpPr>
+          <p:cNvPr name="Group 20" id="20"/>
+          <p:cNvGrpSpPr/>
+          <p:nvPr/>
+        </p:nvGrpSpPr>
+        <p:grpSpPr>
+          <a:xfrm rot="0">
+            <a:off x="1616955" y="346129"/>
+            <a:ext cx="243381" cy="394433"/>
+            <a:chOff x="0" y="0"/>
+            <a:chExt cx="324508" cy="525910"/>
+          </a:xfrm>
+        </p:grpSpPr>
+        <p:sp>
+          <p:nvSpPr>
+            <p:cNvPr name="Freeform 21" id="21"/>
+            <p:cNvSpPr/>
+            <p:nvPr/>
+          </p:nvSpPr>
+          <p:spPr>
+            <a:xfrm flipH="false" flipV="false" rot="0">
+              <a:off x="-635" y="0"/>
+              <a:ext cx="325628" cy="525780"/>
+            </a:xfrm>
+            <a:custGeom>
+              <a:avLst/>
+              <a:gdLst/>
+              <a:ahLst/>
+              <a:cxnLst/>
+              <a:rect r="r" b="b" t="t" l="l"/>
+              <a:pathLst>
+                <a:path h="525780" w="325628">
+                  <a:moveTo>
+                    <a:pt x="2032" y="507619"/>
+                  </a:moveTo>
+                  <a:lnTo>
+                    <a:pt x="257175" y="6858"/>
+                  </a:lnTo>
+                  <a:cubicBezTo>
+                    <a:pt x="259334" y="2667"/>
+                    <a:pt x="263652" y="0"/>
+                    <a:pt x="268351" y="0"/>
+                  </a:cubicBezTo>
+                  <a:lnTo>
+                    <a:pt x="312547" y="0"/>
+                  </a:lnTo>
+                  <a:cubicBezTo>
+                    <a:pt x="316865" y="0"/>
+                    <a:pt x="320929" y="2286"/>
+                    <a:pt x="323215" y="5969"/>
+                  </a:cubicBezTo>
+                  <a:cubicBezTo>
+                    <a:pt x="325501" y="9652"/>
+                    <a:pt x="325628" y="14351"/>
+                    <a:pt x="323723" y="18161"/>
+                  </a:cubicBezTo>
+                  <a:lnTo>
+                    <a:pt x="67437" y="519049"/>
+                  </a:lnTo>
+                  <a:cubicBezTo>
+                    <a:pt x="65278" y="523240"/>
+                    <a:pt x="60960" y="525780"/>
+                    <a:pt x="56388" y="525780"/>
+                  </a:cubicBezTo>
+                  <a:lnTo>
+                    <a:pt x="13081" y="525780"/>
+                  </a:lnTo>
+                  <a:cubicBezTo>
+                    <a:pt x="8763" y="525780"/>
+                    <a:pt x="4699" y="523494"/>
+                    <a:pt x="2413" y="519811"/>
+                  </a:cubicBezTo>
+                  <a:cubicBezTo>
+                    <a:pt x="127" y="516128"/>
+                    <a:pt x="0" y="511556"/>
+                    <a:pt x="1905" y="507619"/>
+                  </a:cubicBezTo>
+                  <a:moveTo>
+                    <a:pt x="24130" y="518922"/>
+                  </a:moveTo>
+                  <a:lnTo>
+                    <a:pt x="12954" y="513207"/>
+                  </a:lnTo>
+                  <a:lnTo>
+                    <a:pt x="12954" y="500761"/>
+                  </a:lnTo>
+                  <a:lnTo>
+                    <a:pt x="56134" y="500761"/>
+                  </a:lnTo>
+                  <a:lnTo>
+                    <a:pt x="56134" y="513207"/>
+                  </a:lnTo>
+                  <a:lnTo>
+                    <a:pt x="45085" y="507492"/>
+                  </a:lnTo>
+                  <a:lnTo>
+                    <a:pt x="301371" y="6731"/>
+                  </a:lnTo>
+                  <a:lnTo>
+                    <a:pt x="312420" y="12446"/>
+                  </a:lnTo>
+                  <a:lnTo>
+                    <a:pt x="312420" y="24892"/>
+                  </a:lnTo>
+                  <a:lnTo>
+                    <a:pt x="268351" y="24892"/>
+                  </a:lnTo>
+                  <a:lnTo>
+                    <a:pt x="268351" y="12446"/>
+                  </a:lnTo>
+                  <a:lnTo>
+                    <a:pt x="279527" y="18161"/>
+                  </a:lnTo>
+                  <a:lnTo>
+                    <a:pt x="24257" y="518922"/>
+                  </a:lnTo>
+                  <a:close/>
+                </a:path>
+              </a:pathLst>
+            </a:custGeom>
+            <a:solidFill>
+              <a:srgbClr val="18181A"/>
+            </a:solidFill>
+          </p:spPr>
+        </p:sp>
+      </p:grpSp>
+      <p:grpSp>
+        <p:nvGrpSpPr>
+          <p:cNvPr name="Group 22" id="22"/>
+          <p:cNvGrpSpPr/>
+          <p:nvPr/>
+        </p:nvGrpSpPr>
+        <p:grpSpPr>
+          <a:xfrm rot="0">
+            <a:off x="1850823" y="355491"/>
+            <a:ext cx="224673" cy="375724"/>
+            <a:chOff x="0" y="0"/>
+            <a:chExt cx="299564" cy="500966"/>
+          </a:xfrm>
+        </p:grpSpPr>
+        <p:sp>
+          <p:nvSpPr>
+            <p:cNvPr name="Freeform 23" id="23"/>
+            <p:cNvSpPr/>
+            <p:nvPr/>
+          </p:nvSpPr>
+          <p:spPr>
+            <a:xfrm flipH="false" flipV="false" rot="0">
+              <a:off x="0" y="0"/>
+              <a:ext cx="299339" cy="500888"/>
+            </a:xfrm>
+            <a:custGeom>
+              <a:avLst/>
+              <a:gdLst/>
+              <a:ahLst/>
+              <a:cxnLst/>
+              <a:rect r="r" b="b" t="t" l="l"/>
+              <a:pathLst>
+                <a:path h="500888" w="299339">
+                  <a:moveTo>
+                    <a:pt x="299339" y="0"/>
+                  </a:moveTo>
+                  <a:lnTo>
+                    <a:pt x="255143" y="0"/>
+                  </a:lnTo>
+                  <a:lnTo>
+                    <a:pt x="0" y="500888"/>
+                  </a:lnTo>
+                  <a:lnTo>
+                    <a:pt x="43180" y="500888"/>
+                  </a:lnTo>
+                  <a:lnTo>
+                    <a:pt x="299339" y="0"/>
+                  </a:lnTo>
+                  <a:close/>
+                </a:path>
+              </a:pathLst>
+            </a:custGeom>
+            <a:solidFill>
+              <a:srgbClr val="18181A"/>
+            </a:solidFill>
+          </p:spPr>
+        </p:sp>
+      </p:grpSp>
+      <p:grpSp>
+        <p:nvGrpSpPr>
+          <p:cNvPr name="Group 24" id="24"/>
+          <p:cNvGrpSpPr/>
+          <p:nvPr/>
+        </p:nvGrpSpPr>
+        <p:grpSpPr>
+          <a:xfrm rot="0">
+            <a:off x="1841471" y="346129"/>
+            <a:ext cx="243381" cy="394433"/>
+            <a:chOff x="0" y="0"/>
+            <a:chExt cx="324508" cy="525910"/>
+          </a:xfrm>
+        </p:grpSpPr>
+        <p:sp>
+          <p:nvSpPr>
+            <p:cNvPr name="Freeform 25" id="25"/>
+            <p:cNvSpPr/>
+            <p:nvPr/>
+          </p:nvSpPr>
+          <p:spPr>
+            <a:xfrm flipH="false" flipV="false" rot="0">
+              <a:off x="-635" y="0"/>
+              <a:ext cx="325628" cy="525780"/>
+            </a:xfrm>
+            <a:custGeom>
+              <a:avLst/>
+              <a:gdLst/>
+              <a:ahLst/>
+              <a:cxnLst/>
+              <a:rect r="r" b="b" t="t" l="l"/>
+              <a:pathLst>
+                <a:path h="525780" w="325628">
+                  <a:moveTo>
+                    <a:pt x="2032" y="507619"/>
+                  </a:moveTo>
+                  <a:lnTo>
+                    <a:pt x="257175" y="6858"/>
+                  </a:lnTo>
+                  <a:cubicBezTo>
+                    <a:pt x="259334" y="2667"/>
+                    <a:pt x="263652" y="0"/>
+                    <a:pt x="268351" y="0"/>
+                  </a:cubicBezTo>
+                  <a:lnTo>
+                    <a:pt x="312547" y="0"/>
+                  </a:lnTo>
+                  <a:cubicBezTo>
+                    <a:pt x="316865" y="0"/>
+                    <a:pt x="320929" y="2286"/>
+                    <a:pt x="323215" y="5969"/>
+                  </a:cubicBezTo>
+                  <a:cubicBezTo>
+                    <a:pt x="325501" y="9652"/>
+                    <a:pt x="325628" y="14351"/>
+                    <a:pt x="323723" y="18161"/>
+                  </a:cubicBezTo>
+                  <a:lnTo>
+                    <a:pt x="67437" y="519049"/>
+                  </a:lnTo>
+                  <a:cubicBezTo>
+                    <a:pt x="65278" y="523240"/>
+                    <a:pt x="60960" y="525780"/>
+                    <a:pt x="56388" y="525780"/>
+                  </a:cubicBezTo>
+                  <a:lnTo>
+                    <a:pt x="13081" y="525780"/>
+                  </a:lnTo>
+                  <a:cubicBezTo>
+                    <a:pt x="8763" y="525780"/>
+                    <a:pt x="4699" y="523494"/>
+                    <a:pt x="2413" y="519811"/>
+                  </a:cubicBezTo>
+                  <a:cubicBezTo>
+                    <a:pt x="127" y="516128"/>
+                    <a:pt x="0" y="511556"/>
+                    <a:pt x="1905" y="507619"/>
+                  </a:cubicBezTo>
+                  <a:moveTo>
+                    <a:pt x="24130" y="518922"/>
+                  </a:moveTo>
+                  <a:lnTo>
+                    <a:pt x="12954" y="513207"/>
+                  </a:lnTo>
+                  <a:lnTo>
+                    <a:pt x="12954" y="500761"/>
+                  </a:lnTo>
+                  <a:lnTo>
+                    <a:pt x="56134" y="500761"/>
+                  </a:lnTo>
+                  <a:lnTo>
+                    <a:pt x="56134" y="513207"/>
+                  </a:lnTo>
+                  <a:lnTo>
+                    <a:pt x="45085" y="507492"/>
+                  </a:lnTo>
+                  <a:lnTo>
+                    <a:pt x="301371" y="6731"/>
+                  </a:lnTo>
+                  <a:lnTo>
+                    <a:pt x="312420" y="12446"/>
+                  </a:lnTo>
+                  <a:lnTo>
+                    <a:pt x="312420" y="24892"/>
+                  </a:lnTo>
+                  <a:lnTo>
+                    <a:pt x="268351" y="24892"/>
+                  </a:lnTo>
+                  <a:lnTo>
+                    <a:pt x="268351" y="12446"/>
+                  </a:lnTo>
+                  <a:lnTo>
+                    <a:pt x="279527" y="18161"/>
+                  </a:lnTo>
+                  <a:lnTo>
+                    <a:pt x="24257" y="518922"/>
+                  </a:lnTo>
+                  <a:close/>
+                </a:path>
+              </a:pathLst>
+            </a:custGeom>
+            <a:solidFill>
+              <a:srgbClr val="18181A"/>
+            </a:solidFill>
+          </p:spPr>
+        </p:sp>
+      </p:grpSp>
+      <p:grpSp>
+        <p:nvGrpSpPr>
+          <p:cNvPr name="Group 26" id="26"/>
+          <p:cNvGrpSpPr/>
+          <p:nvPr/>
+        </p:nvGrpSpPr>
+        <p:grpSpPr>
+          <a:xfrm rot="0">
+            <a:off x="2075318" y="355491"/>
+            <a:ext cx="224673" cy="375724"/>
+            <a:chOff x="0" y="0"/>
+            <a:chExt cx="299564" cy="500966"/>
+          </a:xfrm>
+        </p:grpSpPr>
+        <p:sp>
+          <p:nvSpPr>
+            <p:cNvPr name="Freeform 27" id="27"/>
+            <p:cNvSpPr/>
+            <p:nvPr/>
+          </p:nvSpPr>
+          <p:spPr>
+            <a:xfrm flipH="false" flipV="false" rot="0">
+              <a:off x="0" y="0"/>
+              <a:ext cx="299339" cy="500888"/>
+            </a:xfrm>
+            <a:custGeom>
+              <a:avLst/>
+              <a:gdLst/>
+              <a:ahLst/>
+              <a:cxnLst/>
+              <a:rect r="r" b="b" t="t" l="l"/>
+              <a:pathLst>
+                <a:path h="500888" w="299339">
+                  <a:moveTo>
+                    <a:pt x="299339" y="0"/>
+                  </a:moveTo>
+                  <a:lnTo>
+                    <a:pt x="255270" y="0"/>
+                  </a:lnTo>
+                  <a:lnTo>
+                    <a:pt x="0" y="500888"/>
+                  </a:lnTo>
+                  <a:lnTo>
+                    <a:pt x="43180" y="500888"/>
+                  </a:lnTo>
+                  <a:lnTo>
+                    <a:pt x="299339" y="0"/>
+                  </a:lnTo>
+                  <a:close/>
+                </a:path>
+              </a:pathLst>
+            </a:custGeom>
+            <a:solidFill>
+              <a:srgbClr val="18181A"/>
+            </a:solidFill>
+          </p:spPr>
+        </p:sp>
+      </p:grpSp>
+      <p:grpSp>
+        <p:nvGrpSpPr>
+          <p:cNvPr name="Group 28" id="28"/>
+          <p:cNvGrpSpPr/>
+          <p:nvPr/>
+        </p:nvGrpSpPr>
+        <p:grpSpPr>
+          <a:xfrm rot="0">
+            <a:off x="2065975" y="346129"/>
+            <a:ext cx="243381" cy="394433"/>
+            <a:chOff x="0" y="0"/>
+            <a:chExt cx="324508" cy="525910"/>
+          </a:xfrm>
+        </p:grpSpPr>
+        <p:sp>
+          <p:nvSpPr>
+            <p:cNvPr name="Freeform 29" id="29"/>
+            <p:cNvSpPr/>
+            <p:nvPr/>
+          </p:nvSpPr>
+          <p:spPr>
+            <a:xfrm flipH="false" flipV="false" rot="0">
+              <a:off x="-635" y="0"/>
+              <a:ext cx="325628" cy="525780"/>
+            </a:xfrm>
+            <a:custGeom>
+              <a:avLst/>
+              <a:gdLst/>
+              <a:ahLst/>
+              <a:cxnLst/>
+              <a:rect r="r" b="b" t="t" l="l"/>
+              <a:pathLst>
+                <a:path h="525780" w="325628">
+                  <a:moveTo>
+                    <a:pt x="2032" y="507619"/>
+                  </a:moveTo>
+                  <a:lnTo>
+                    <a:pt x="257175" y="6858"/>
+                  </a:lnTo>
+                  <a:cubicBezTo>
+                    <a:pt x="259334" y="2667"/>
+                    <a:pt x="263652" y="0"/>
+                    <a:pt x="268351" y="0"/>
+                  </a:cubicBezTo>
+                  <a:lnTo>
+                    <a:pt x="312547" y="0"/>
+                  </a:lnTo>
+                  <a:cubicBezTo>
+                    <a:pt x="316865" y="0"/>
+                    <a:pt x="320929" y="2286"/>
+                    <a:pt x="323215" y="5969"/>
+                  </a:cubicBezTo>
+                  <a:cubicBezTo>
+                    <a:pt x="325501" y="9652"/>
+                    <a:pt x="325628" y="14351"/>
+                    <a:pt x="323723" y="18161"/>
+                  </a:cubicBezTo>
+                  <a:lnTo>
+                    <a:pt x="67437" y="519049"/>
+                  </a:lnTo>
+                  <a:cubicBezTo>
+                    <a:pt x="65278" y="523240"/>
+                    <a:pt x="60960" y="525780"/>
+                    <a:pt x="56388" y="525780"/>
+                  </a:cubicBezTo>
+                  <a:lnTo>
+                    <a:pt x="13081" y="525780"/>
+                  </a:lnTo>
+                  <a:cubicBezTo>
+                    <a:pt x="8763" y="525780"/>
+                    <a:pt x="4699" y="523494"/>
+                    <a:pt x="2413" y="519811"/>
+                  </a:cubicBezTo>
+                  <a:cubicBezTo>
+                    <a:pt x="127" y="516128"/>
+                    <a:pt x="0" y="511556"/>
+                    <a:pt x="1905" y="507619"/>
+                  </a:cubicBezTo>
+                  <a:moveTo>
+                    <a:pt x="24130" y="518922"/>
+                  </a:moveTo>
+                  <a:lnTo>
+                    <a:pt x="12954" y="513207"/>
+                  </a:lnTo>
+                  <a:lnTo>
+                    <a:pt x="12954" y="500761"/>
+                  </a:lnTo>
+                  <a:lnTo>
+                    <a:pt x="56134" y="500761"/>
+                  </a:lnTo>
+                  <a:lnTo>
+                    <a:pt x="56134" y="513207"/>
+                  </a:lnTo>
+                  <a:lnTo>
+                    <a:pt x="45085" y="507492"/>
+                  </a:lnTo>
+                  <a:lnTo>
+                    <a:pt x="301371" y="6731"/>
+                  </a:lnTo>
+                  <a:lnTo>
+                    <a:pt x="312420" y="12446"/>
+                  </a:lnTo>
+                  <a:lnTo>
+                    <a:pt x="312420" y="24892"/>
+                  </a:lnTo>
+                  <a:lnTo>
+                    <a:pt x="268351" y="24892"/>
+                  </a:lnTo>
+                  <a:lnTo>
+                    <a:pt x="268351" y="12446"/>
+                  </a:lnTo>
+                  <a:lnTo>
+                    <a:pt x="279527" y="18161"/>
+                  </a:lnTo>
+                  <a:lnTo>
+                    <a:pt x="24257" y="518922"/>
+                  </a:lnTo>
+                  <a:close/>
+                </a:path>
+              </a:pathLst>
+            </a:custGeom>
+            <a:solidFill>
+              <a:srgbClr val="18181A"/>
+            </a:solidFill>
+          </p:spPr>
+        </p:sp>
+      </p:grpSp>
+      <p:grpSp>
+        <p:nvGrpSpPr>
+          <p:cNvPr name="Group 30" id="30"/>
+          <p:cNvGrpSpPr/>
+          <p:nvPr/>
+        </p:nvGrpSpPr>
+        <p:grpSpPr>
+          <a:xfrm rot="0">
+            <a:off x="2299115" y="355491"/>
+            <a:ext cx="224673" cy="375724"/>
+            <a:chOff x="0" y="0"/>
+            <a:chExt cx="299564" cy="500966"/>
+          </a:xfrm>
+        </p:grpSpPr>
+        <p:sp>
+          <p:nvSpPr>
+            <p:cNvPr name="Freeform 31" id="31"/>
+            <p:cNvSpPr/>
+            <p:nvPr/>
+          </p:nvSpPr>
+          <p:spPr>
+            <a:xfrm flipH="false" flipV="false" rot="0">
+              <a:off x="0" y="0"/>
+              <a:ext cx="299339" cy="500888"/>
+            </a:xfrm>
+            <a:custGeom>
+              <a:avLst/>
+              <a:gdLst/>
+              <a:ahLst/>
+              <a:cxnLst/>
+              <a:rect r="r" b="b" t="t" l="l"/>
+              <a:pathLst>
+                <a:path h="500888" w="299339">
+                  <a:moveTo>
+                    <a:pt x="299339" y="0"/>
+                  </a:moveTo>
+                  <a:lnTo>
+                    <a:pt x="255143" y="0"/>
+                  </a:lnTo>
+                  <a:lnTo>
+                    <a:pt x="0" y="500888"/>
+                  </a:lnTo>
+                  <a:lnTo>
+                    <a:pt x="43180" y="500888"/>
+                  </a:lnTo>
+                  <a:lnTo>
+                    <a:pt x="299339" y="0"/>
+                  </a:lnTo>
+                  <a:close/>
+                </a:path>
+              </a:pathLst>
+            </a:custGeom>
+            <a:solidFill>
+              <a:srgbClr val="18181A"/>
+            </a:solidFill>
+          </p:spPr>
+        </p:sp>
+      </p:grpSp>
+      <p:grpSp>
+        <p:nvGrpSpPr>
+          <p:cNvPr name="Group 32" id="32"/>
+          <p:cNvGrpSpPr/>
+          <p:nvPr/>
+        </p:nvGrpSpPr>
+        <p:grpSpPr>
+          <a:xfrm rot="0">
+            <a:off x="2289755" y="346129"/>
+            <a:ext cx="243381" cy="394433"/>
+            <a:chOff x="0" y="0"/>
+            <a:chExt cx="324508" cy="525910"/>
+          </a:xfrm>
+        </p:grpSpPr>
+        <p:sp>
+          <p:nvSpPr>
+            <p:cNvPr name="Freeform 33" id="33"/>
+            <p:cNvSpPr/>
+            <p:nvPr/>
+          </p:nvSpPr>
+          <p:spPr>
+            <a:xfrm flipH="false" flipV="false" rot="0">
+              <a:off x="-635" y="0"/>
+              <a:ext cx="325501" cy="525780"/>
+            </a:xfrm>
+            <a:custGeom>
+              <a:avLst/>
+              <a:gdLst/>
+              <a:ahLst/>
+              <a:cxnLst/>
+              <a:rect r="r" b="b" t="t" l="l"/>
+              <a:pathLst>
+                <a:path h="525780" w="325501">
+                  <a:moveTo>
+                    <a:pt x="2032" y="507619"/>
+                  </a:moveTo>
+                  <a:lnTo>
+                    <a:pt x="257175" y="6858"/>
+                  </a:lnTo>
+                  <a:cubicBezTo>
+                    <a:pt x="259334" y="2667"/>
+                    <a:pt x="263652" y="0"/>
+                    <a:pt x="268351" y="0"/>
+                  </a:cubicBezTo>
+                  <a:lnTo>
+                    <a:pt x="312420" y="0"/>
+                  </a:lnTo>
+                  <a:cubicBezTo>
+                    <a:pt x="316738" y="0"/>
+                    <a:pt x="320802" y="2286"/>
+                    <a:pt x="323088" y="5969"/>
+                  </a:cubicBezTo>
+                  <a:cubicBezTo>
+                    <a:pt x="325374" y="9652"/>
+                    <a:pt x="325501" y="14351"/>
+                    <a:pt x="323596" y="18161"/>
+                  </a:cubicBezTo>
+                  <a:lnTo>
+                    <a:pt x="67437" y="519049"/>
+                  </a:lnTo>
+                  <a:cubicBezTo>
+                    <a:pt x="65278" y="523240"/>
+                    <a:pt x="60960" y="525780"/>
+                    <a:pt x="56388" y="525780"/>
+                  </a:cubicBezTo>
+                  <a:lnTo>
+                    <a:pt x="13081" y="525780"/>
+                  </a:lnTo>
+                  <a:cubicBezTo>
+                    <a:pt x="8763" y="525780"/>
+                    <a:pt x="4699" y="523494"/>
+                    <a:pt x="2413" y="519811"/>
+                  </a:cubicBezTo>
+                  <a:cubicBezTo>
+                    <a:pt x="127" y="516128"/>
+                    <a:pt x="0" y="511556"/>
+                    <a:pt x="1905" y="507619"/>
+                  </a:cubicBezTo>
+                  <a:moveTo>
+                    <a:pt x="24130" y="518922"/>
+                  </a:moveTo>
+                  <a:lnTo>
+                    <a:pt x="12954" y="513207"/>
+                  </a:lnTo>
+                  <a:lnTo>
+                    <a:pt x="12954" y="500761"/>
+                  </a:lnTo>
+                  <a:lnTo>
+                    <a:pt x="56134" y="500761"/>
+                  </a:lnTo>
+                  <a:lnTo>
+                    <a:pt x="56134" y="513207"/>
+                  </a:lnTo>
+                  <a:lnTo>
+                    <a:pt x="45085" y="507492"/>
+                  </a:lnTo>
+                  <a:lnTo>
+                    <a:pt x="301371" y="6731"/>
+                  </a:lnTo>
+                  <a:lnTo>
+                    <a:pt x="312420" y="12446"/>
+                  </a:lnTo>
+                  <a:lnTo>
+                    <a:pt x="312420" y="24892"/>
+                  </a:lnTo>
+                  <a:lnTo>
+                    <a:pt x="268351" y="24892"/>
+                  </a:lnTo>
+                  <a:lnTo>
+                    <a:pt x="268351" y="12446"/>
+                  </a:lnTo>
+                  <a:lnTo>
+                    <a:pt x="279527" y="18161"/>
+                  </a:lnTo>
+                  <a:lnTo>
+                    <a:pt x="24257" y="518922"/>
+                  </a:lnTo>
+                  <a:close/>
+                </a:path>
+              </a:pathLst>
+            </a:custGeom>
+            <a:solidFill>
+              <a:srgbClr val="18181A"/>
+            </a:solidFill>
+          </p:spPr>
+        </p:sp>
+      </p:grpSp>
+      <p:grpSp>
+        <p:nvGrpSpPr>
+          <p:cNvPr name="Group 34" id="34"/>
+          <p:cNvGrpSpPr/>
+          <p:nvPr/>
+        </p:nvGrpSpPr>
+        <p:grpSpPr>
+          <a:xfrm rot="0">
+            <a:off x="2523623" y="355491"/>
+            <a:ext cx="224673" cy="375724"/>
+            <a:chOff x="0" y="0"/>
+            <a:chExt cx="299564" cy="500966"/>
+          </a:xfrm>
+        </p:grpSpPr>
+        <p:sp>
+          <p:nvSpPr>
+            <p:cNvPr name="Freeform 35" id="35"/>
+            <p:cNvSpPr/>
+            <p:nvPr/>
+          </p:nvSpPr>
+          <p:spPr>
+            <a:xfrm flipH="false" flipV="false" rot="0">
+              <a:off x="0" y="0"/>
+              <a:ext cx="299339" cy="500888"/>
+            </a:xfrm>
+            <a:custGeom>
+              <a:avLst/>
+              <a:gdLst/>
+              <a:ahLst/>
+              <a:cxnLst/>
+              <a:rect r="r" b="b" t="t" l="l"/>
+              <a:pathLst>
+                <a:path h="500888" w="299339">
+                  <a:moveTo>
+                    <a:pt x="299339" y="0"/>
+                  </a:moveTo>
+                  <a:lnTo>
+                    <a:pt x="255143" y="0"/>
+                  </a:lnTo>
+                  <a:lnTo>
+                    <a:pt x="0" y="500888"/>
+                  </a:lnTo>
+                  <a:lnTo>
+                    <a:pt x="43180" y="500888"/>
+                  </a:lnTo>
+                  <a:lnTo>
+                    <a:pt x="299339" y="0"/>
+                  </a:lnTo>
+                  <a:close/>
+                </a:path>
+              </a:pathLst>
+            </a:custGeom>
+            <a:solidFill>
+              <a:srgbClr val="18181A"/>
+            </a:solidFill>
+          </p:spPr>
+        </p:sp>
+      </p:grpSp>
+      <p:grpSp>
+        <p:nvGrpSpPr>
+          <p:cNvPr name="Group 36" id="36"/>
+          <p:cNvGrpSpPr/>
+          <p:nvPr/>
+        </p:nvGrpSpPr>
+        <p:grpSpPr>
+          <a:xfrm rot="0">
+            <a:off x="2514259" y="346129"/>
+            <a:ext cx="243381" cy="394433"/>
+            <a:chOff x="0" y="0"/>
+            <a:chExt cx="324508" cy="525910"/>
+          </a:xfrm>
+        </p:grpSpPr>
+        <p:sp>
+          <p:nvSpPr>
+            <p:cNvPr name="Freeform 37" id="37"/>
+            <p:cNvSpPr/>
+            <p:nvPr/>
+          </p:nvSpPr>
+          <p:spPr>
+            <a:xfrm flipH="false" flipV="false" rot="0">
+              <a:off x="-635" y="0"/>
+              <a:ext cx="325501" cy="525780"/>
+            </a:xfrm>
+            <a:custGeom>
+              <a:avLst/>
+              <a:gdLst/>
+              <a:ahLst/>
+              <a:cxnLst/>
+              <a:rect r="r" b="b" t="t" l="l"/>
+              <a:pathLst>
+                <a:path h="525780" w="325501">
+                  <a:moveTo>
+                    <a:pt x="2032" y="507619"/>
+                  </a:moveTo>
+                  <a:lnTo>
+                    <a:pt x="257175" y="6858"/>
+                  </a:lnTo>
+                  <a:cubicBezTo>
+                    <a:pt x="259334" y="2667"/>
+                    <a:pt x="263652" y="0"/>
+                    <a:pt x="268351" y="0"/>
+                  </a:cubicBezTo>
+                  <a:lnTo>
+                    <a:pt x="312420" y="0"/>
+                  </a:lnTo>
+                  <a:cubicBezTo>
+                    <a:pt x="316738" y="0"/>
+                    <a:pt x="320802" y="2286"/>
+                    <a:pt x="323088" y="5969"/>
+                  </a:cubicBezTo>
+                  <a:cubicBezTo>
+                    <a:pt x="325374" y="9652"/>
+                    <a:pt x="325501" y="14351"/>
+                    <a:pt x="323596" y="18161"/>
+                  </a:cubicBezTo>
+                  <a:lnTo>
+                    <a:pt x="67437" y="519049"/>
+                  </a:lnTo>
+                  <a:cubicBezTo>
+                    <a:pt x="65278" y="523240"/>
+                    <a:pt x="60960" y="525780"/>
+                    <a:pt x="56388" y="525780"/>
+                  </a:cubicBezTo>
+                  <a:lnTo>
+                    <a:pt x="13081" y="525780"/>
+                  </a:lnTo>
+                  <a:cubicBezTo>
+                    <a:pt x="8763" y="525780"/>
+                    <a:pt x="4699" y="523494"/>
+                    <a:pt x="2413" y="519811"/>
+                  </a:cubicBezTo>
+                  <a:cubicBezTo>
+                    <a:pt x="127" y="516128"/>
+                    <a:pt x="0" y="511556"/>
+                    <a:pt x="1905" y="507619"/>
+                  </a:cubicBezTo>
+                  <a:moveTo>
+                    <a:pt x="24130" y="518922"/>
+                  </a:moveTo>
+                  <a:lnTo>
+                    <a:pt x="12954" y="513207"/>
+                  </a:lnTo>
+                  <a:lnTo>
+                    <a:pt x="12954" y="500761"/>
+                  </a:lnTo>
+                  <a:lnTo>
+                    <a:pt x="56134" y="500761"/>
+                  </a:lnTo>
+                  <a:lnTo>
+                    <a:pt x="56134" y="513207"/>
+                  </a:lnTo>
+                  <a:lnTo>
+                    <a:pt x="45085" y="507492"/>
+                  </a:lnTo>
+                  <a:lnTo>
+                    <a:pt x="301371" y="6731"/>
+                  </a:lnTo>
+                  <a:lnTo>
+                    <a:pt x="312420" y="12446"/>
+                  </a:lnTo>
+                  <a:lnTo>
+                    <a:pt x="312420" y="24892"/>
+                  </a:lnTo>
+                  <a:lnTo>
+                    <a:pt x="268351" y="24892"/>
+                  </a:lnTo>
+                  <a:lnTo>
+                    <a:pt x="268351" y="12446"/>
+                  </a:lnTo>
+                  <a:lnTo>
+                    <a:pt x="279527" y="18161"/>
+                  </a:lnTo>
+                  <a:lnTo>
+                    <a:pt x="24257" y="518922"/>
+                  </a:lnTo>
+                  <a:close/>
+                </a:path>
+              </a:pathLst>
+            </a:custGeom>
+            <a:solidFill>
+              <a:srgbClr val="18181A"/>
+            </a:solidFill>
+          </p:spPr>
+        </p:sp>
+      </p:grpSp>
+      <p:grpSp>
+        <p:nvGrpSpPr>
+          <p:cNvPr name="Group 38" id="38"/>
+          <p:cNvGrpSpPr/>
+          <p:nvPr/>
+        </p:nvGrpSpPr>
+        <p:grpSpPr>
+          <a:xfrm rot="0">
+            <a:off x="13673571" y="9773223"/>
+            <a:ext cx="4603892" cy="271639"/>
+            <a:chOff x="0" y="0"/>
+            <a:chExt cx="6138523" cy="362185"/>
+          </a:xfrm>
+        </p:grpSpPr>
+        <p:sp>
+          <p:nvSpPr>
+            <p:cNvPr name="Freeform 39" id="39"/>
+            <p:cNvSpPr/>
+            <p:nvPr/>
+          </p:nvSpPr>
+          <p:spPr>
+            <a:xfrm flipH="false" flipV="false" rot="0">
+              <a:off x="0" y="0"/>
+              <a:ext cx="6137783" cy="361696"/>
+            </a:xfrm>
+            <a:custGeom>
+              <a:avLst/>
+              <a:gdLst/>
+              <a:ahLst/>
+              <a:cxnLst/>
+              <a:rect r="r" b="b" t="t" l="l"/>
+              <a:pathLst>
+                <a:path h="361696" w="6137783">
+                  <a:moveTo>
+                    <a:pt x="6137783" y="0"/>
+                  </a:moveTo>
+                  <a:lnTo>
+                    <a:pt x="0" y="0"/>
+                  </a:lnTo>
+                  <a:lnTo>
+                    <a:pt x="0" y="361696"/>
+                  </a:lnTo>
+                  <a:lnTo>
+                    <a:pt x="3069463" y="361696"/>
+                  </a:lnTo>
+                  <a:lnTo>
+                    <a:pt x="6137783" y="361696"/>
+                  </a:lnTo>
+                  <a:lnTo>
+                    <a:pt x="6137783" y="0"/>
+                  </a:lnTo>
+                  <a:close/>
+                </a:path>
+              </a:pathLst>
+            </a:custGeom>
+            <a:solidFill>
+              <a:srgbClr val="29282C"/>
+            </a:solidFill>
+          </p:spPr>
+        </p:sp>
+      </p:grpSp>
+      <p:grpSp>
+        <p:nvGrpSpPr>
+          <p:cNvPr name="Group 40" id="40"/>
+          <p:cNvGrpSpPr/>
+          <p:nvPr/>
+        </p:nvGrpSpPr>
+        <p:grpSpPr>
+          <a:xfrm rot="0">
+            <a:off x="13673571" y="9228473"/>
+            <a:ext cx="4603892" cy="271639"/>
+            <a:chOff x="0" y="0"/>
+            <a:chExt cx="6138523" cy="362185"/>
+          </a:xfrm>
+        </p:grpSpPr>
+        <p:sp>
+          <p:nvSpPr>
+            <p:cNvPr name="Freeform 41" id="41"/>
+            <p:cNvSpPr/>
+            <p:nvPr/>
+          </p:nvSpPr>
+          <p:spPr>
+            <a:xfrm flipH="false" flipV="false" rot="0">
+              <a:off x="0" y="0"/>
+              <a:ext cx="6137783" cy="361696"/>
+            </a:xfrm>
+            <a:custGeom>
+              <a:avLst/>
+              <a:gdLst/>
+              <a:ahLst/>
+              <a:cxnLst/>
+              <a:rect r="r" b="b" t="t" l="l"/>
+              <a:pathLst>
+                <a:path h="361696" w="6137783">
+                  <a:moveTo>
+                    <a:pt x="6137783" y="0"/>
+                  </a:moveTo>
+                  <a:lnTo>
+                    <a:pt x="0" y="0"/>
+                  </a:lnTo>
+                  <a:lnTo>
+                    <a:pt x="0" y="361696"/>
+                  </a:lnTo>
+                  <a:lnTo>
+                    <a:pt x="3069463" y="361696"/>
+                  </a:lnTo>
+                  <a:lnTo>
+                    <a:pt x="6137783" y="361696"/>
+                  </a:lnTo>
+                  <a:lnTo>
+                    <a:pt x="6137783" y="0"/>
+                  </a:lnTo>
+                  <a:close/>
+                </a:path>
+              </a:pathLst>
+            </a:custGeom>
+            <a:solidFill>
+              <a:srgbClr val="575259"/>
+            </a:solidFill>
+          </p:spPr>
+        </p:sp>
+      </p:grpSp>
+      <p:sp>
+        <p:nvSpPr>
+          <p:cNvPr name="TextBox 42" id="42"/>
+          <p:cNvSpPr txBox="true"/>
+          <p:nvPr/>
+        </p:nvSpPr>
+        <p:spPr>
+          <a:xfrm rot="0">
+            <a:off x="1178026" y="1865293"/>
+            <a:ext cx="6113345" cy="1429910"/>
+          </a:xfrm>
+          <a:prstGeom prst="rect">
+            <a:avLst/>
+          </a:prstGeom>
+        </p:spPr>
+        <p:txBody>
+          <a:bodyPr anchor="t" rtlCol="false" tIns="0" lIns="0" bIns="0" rIns="0">
+            <a:spAutoFit/>
+          </a:bodyPr>
+          <a:lstStyle/>
+          <a:p>
+            <a:pPr algn="l">
+              <a:lnSpc>
+                <a:spcPts val="11269"/>
+              </a:lnSpc>
+            </a:pPr>
+            <a:r>
+              <a:rPr lang="en-US" sz="9391" spc="-111">
+                <a:solidFill>
+                  <a:srgbClr val="18181A"/>
+                </a:solidFill>
+                <a:latin typeface="DejaVu Sans Bold"/>
+                <a:ea typeface="DejaVu Sans Bold"/>
+                <a:cs typeface="DejaVu Sans Bold"/>
+                <a:sym typeface="DejaVu Sans Bold"/>
+              </a:rPr>
+              <a:t>Glossary</a:t>
+            </a:r>
+          </a:p>
+        </p:txBody>
+      </p:sp>
+      <p:grpSp>
+        <p:nvGrpSpPr>
+          <p:cNvPr name="Group 43" id="43"/>
+          <p:cNvGrpSpPr/>
+          <p:nvPr/>
+        </p:nvGrpSpPr>
+        <p:grpSpPr>
+          <a:xfrm rot="0">
+            <a:off x="15910943" y="-38139"/>
+            <a:ext cx="1882547" cy="5236775"/>
+            <a:chOff x="0" y="0"/>
+            <a:chExt cx="2510062" cy="6982366"/>
+          </a:xfrm>
+        </p:grpSpPr>
+        <p:sp>
+          <p:nvSpPr>
+            <p:cNvPr name="Freeform 44" id="44"/>
+            <p:cNvSpPr/>
+            <p:nvPr/>
+          </p:nvSpPr>
+          <p:spPr>
+            <a:xfrm flipH="false" flipV="false" rot="0">
+              <a:off x="0" y="50800"/>
+              <a:ext cx="1254887" cy="6931279"/>
+            </a:xfrm>
+            <a:custGeom>
+              <a:avLst/>
+              <a:gdLst/>
+              <a:ahLst/>
+              <a:cxnLst/>
+              <a:rect r="r" b="b" t="t" l="l"/>
+              <a:pathLst>
+                <a:path h="6931279" w="1254887">
+                  <a:moveTo>
+                    <a:pt x="1254887" y="6931279"/>
+                  </a:moveTo>
+                  <a:lnTo>
+                    <a:pt x="50800" y="6931279"/>
+                  </a:lnTo>
+                  <a:cubicBezTo>
+                    <a:pt x="22733" y="6931279"/>
+                    <a:pt x="0" y="6908547"/>
+                    <a:pt x="0" y="6880479"/>
+                  </a:cubicBezTo>
+                  <a:lnTo>
+                    <a:pt x="0" y="0"/>
+                  </a:lnTo>
+                  <a:lnTo>
+                    <a:pt x="101727" y="0"/>
+                  </a:lnTo>
+                  <a:lnTo>
+                    <a:pt x="101727" y="6880479"/>
+                  </a:lnTo>
+                  <a:lnTo>
+                    <a:pt x="50800" y="6880479"/>
+                  </a:lnTo>
+                  <a:lnTo>
+                    <a:pt x="50800" y="6829679"/>
+                  </a:lnTo>
+                  <a:lnTo>
+                    <a:pt x="1254760" y="6829679"/>
+                  </a:lnTo>
+                  <a:close/>
+                </a:path>
+              </a:pathLst>
+            </a:custGeom>
+            <a:solidFill>
+              <a:srgbClr val="FFB700"/>
+            </a:solidFill>
+          </p:spPr>
+        </p:sp>
+        <p:sp>
+          <p:nvSpPr>
+            <p:cNvPr name="Freeform 45" id="45"/>
+            <p:cNvSpPr/>
+            <p:nvPr/>
+          </p:nvSpPr>
+          <p:spPr>
+            <a:xfrm flipH="false" flipV="false" rot="0">
+              <a:off x="1254887" y="50800"/>
+              <a:ext cx="1255014" cy="6931279"/>
+            </a:xfrm>
+            <a:custGeom>
+              <a:avLst/>
+              <a:gdLst/>
+              <a:ahLst/>
+              <a:cxnLst/>
+              <a:rect r="r" b="b" t="t" l="l"/>
+              <a:pathLst>
+                <a:path h="6931279" w="1255014">
+                  <a:moveTo>
+                    <a:pt x="1255014" y="0"/>
+                  </a:moveTo>
+                  <a:lnTo>
+                    <a:pt x="1255014" y="6880479"/>
+                  </a:lnTo>
+                  <a:cubicBezTo>
+                    <a:pt x="1255014" y="6908547"/>
+                    <a:pt x="1232281" y="6931279"/>
+                    <a:pt x="1204214" y="6931279"/>
+                  </a:cubicBezTo>
+                  <a:lnTo>
+                    <a:pt x="0" y="6931279"/>
+                  </a:lnTo>
+                  <a:lnTo>
+                    <a:pt x="0" y="6829552"/>
+                  </a:lnTo>
+                  <a:lnTo>
+                    <a:pt x="1204214" y="6829552"/>
+                  </a:lnTo>
+                  <a:lnTo>
+                    <a:pt x="1204214" y="6880352"/>
+                  </a:lnTo>
+                  <a:lnTo>
+                    <a:pt x="1153414" y="6880352"/>
+                  </a:lnTo>
+                  <a:lnTo>
+                    <a:pt x="1153414" y="0"/>
+                  </a:lnTo>
+                  <a:close/>
+                </a:path>
+              </a:pathLst>
+            </a:custGeom>
+            <a:solidFill>
+              <a:srgbClr val="FFB700"/>
+            </a:solidFill>
+          </p:spPr>
+        </p:sp>
+      </p:grpSp>
+      <p:grpSp>
+        <p:nvGrpSpPr>
+          <p:cNvPr name="Group 46" id="46"/>
+          <p:cNvGrpSpPr/>
+          <p:nvPr/>
+        </p:nvGrpSpPr>
+        <p:grpSpPr>
+          <a:xfrm rot="0">
+            <a:off x="0" y="8668607"/>
+            <a:ext cx="5292508" cy="1613330"/>
+            <a:chOff x="0" y="0"/>
+            <a:chExt cx="7056678" cy="2151106"/>
+          </a:xfrm>
+        </p:grpSpPr>
+        <p:sp>
+          <p:nvSpPr>
+            <p:cNvPr name="Freeform 47" id="47"/>
+            <p:cNvSpPr/>
+            <p:nvPr/>
+          </p:nvSpPr>
+          <p:spPr>
+            <a:xfrm flipH="false" flipV="false" rot="0">
+              <a:off x="0" y="0"/>
+              <a:ext cx="7056501" cy="2150745"/>
+            </a:xfrm>
+            <a:custGeom>
+              <a:avLst/>
+              <a:gdLst/>
+              <a:ahLst/>
+              <a:cxnLst/>
+              <a:rect r="r" b="b" t="t" l="l"/>
+              <a:pathLst>
+                <a:path h="2150745" w="7056501">
+                  <a:moveTo>
+                    <a:pt x="0" y="2150745"/>
+                  </a:moveTo>
+                  <a:lnTo>
+                    <a:pt x="0" y="0"/>
+                  </a:lnTo>
+                  <a:lnTo>
+                    <a:pt x="7056501" y="0"/>
+                  </a:lnTo>
+                  <a:lnTo>
+                    <a:pt x="7056501" y="2150745"/>
+                  </a:lnTo>
+                  <a:lnTo>
+                    <a:pt x="0" y="2150745"/>
+                  </a:lnTo>
+                  <a:close/>
+                </a:path>
+              </a:pathLst>
+            </a:custGeom>
+            <a:solidFill>
+              <a:srgbClr val="18181A"/>
+            </a:solidFill>
+          </p:spPr>
+        </p:sp>
+      </p:grpSp>
+      <p:grpSp>
+        <p:nvGrpSpPr>
+          <p:cNvPr name="Group 48" id="48"/>
+          <p:cNvGrpSpPr/>
+          <p:nvPr/>
+        </p:nvGrpSpPr>
+        <p:grpSpPr>
+          <a:xfrm rot="0">
+            <a:off x="13673573" y="8668607"/>
+            <a:ext cx="4603892" cy="266561"/>
+            <a:chOff x="0" y="0"/>
+            <a:chExt cx="6138523" cy="355415"/>
+          </a:xfrm>
+        </p:grpSpPr>
+        <p:sp>
+          <p:nvSpPr>
+            <p:cNvPr name="Freeform 49" id="49"/>
+            <p:cNvSpPr/>
+            <p:nvPr/>
+          </p:nvSpPr>
+          <p:spPr>
+            <a:xfrm flipH="false" flipV="false" rot="0">
+              <a:off x="0" y="0"/>
+              <a:ext cx="6137783" cy="355473"/>
+            </a:xfrm>
+            <a:custGeom>
+              <a:avLst/>
+              <a:gdLst/>
+              <a:ahLst/>
+              <a:cxnLst/>
+              <a:rect r="r" b="b" t="t" l="l"/>
+              <a:pathLst>
+                <a:path h="355473" w="6137783">
+                  <a:moveTo>
+                    <a:pt x="6137783" y="355473"/>
+                  </a:moveTo>
+                  <a:lnTo>
+                    <a:pt x="0" y="355473"/>
+                  </a:lnTo>
+                  <a:lnTo>
+                    <a:pt x="0" y="0"/>
+                  </a:lnTo>
+                  <a:lnTo>
+                    <a:pt x="6137783" y="0"/>
+                  </a:lnTo>
+                  <a:lnTo>
+                    <a:pt x="6137783" y="355473"/>
+                  </a:lnTo>
+                  <a:close/>
+                </a:path>
+              </a:pathLst>
+            </a:custGeom>
+            <a:solidFill>
+              <a:srgbClr val="86808A"/>
+            </a:solidFill>
+          </p:spPr>
+        </p:sp>
+      </p:grpSp>
+      <p:sp>
+        <p:nvSpPr>
+          <p:cNvPr name="TextBox 50" id="50"/>
+          <p:cNvSpPr txBox="true"/>
+          <p:nvPr/>
+        </p:nvSpPr>
+        <p:spPr>
+          <a:xfrm rot="0">
+            <a:off x="829244" y="3515579"/>
+            <a:ext cx="14751986" cy="3463576"/>
+          </a:xfrm>
+          <a:prstGeom prst="rect">
+            <a:avLst/>
+          </a:prstGeom>
+        </p:spPr>
+        <p:txBody>
+          <a:bodyPr anchor="t" rtlCol="false" tIns="0" lIns="0" bIns="0" rIns="0">
+            <a:spAutoFit/>
+          </a:bodyPr>
+          <a:lstStyle/>
+          <a:p>
+            <a:pPr algn="l" marL="487995" indent="-243998" lvl="1">
+              <a:lnSpc>
+                <a:spcPts val="2712"/>
+              </a:lnSpc>
+              <a:buFont typeface="Arial"/>
+              <a:buChar char="•"/>
+            </a:pPr>
+            <a:r>
+              <a:rPr lang="en-US" sz="2260" spc="-137">
+                <a:solidFill>
+                  <a:srgbClr val="18181A"/>
+                </a:solidFill>
+                <a:latin typeface="DejaVu Sans Light"/>
+                <a:ea typeface="DejaVu Sans Light"/>
+                <a:cs typeface="DejaVu Sans Light"/>
+                <a:sym typeface="DejaVu Sans Light"/>
+              </a:rPr>
+              <a:t>Development Phase: The stage in the website creation process where the website's structure is coded and built.</a:t>
+            </a:r>
+          </a:p>
+          <a:p>
+            <a:pPr algn="l" marL="487995" indent="-243998" lvl="1">
+              <a:lnSpc>
+                <a:spcPts val="2712"/>
+              </a:lnSpc>
+              <a:buFont typeface="Arial"/>
+              <a:buChar char="•"/>
+            </a:pPr>
+            <a:r>
+              <a:rPr lang="en-US" sz="2260" spc="-137">
+                <a:solidFill>
+                  <a:srgbClr val="18181A"/>
+                </a:solidFill>
+                <a:latin typeface="DejaVu Sans Light"/>
+                <a:ea typeface="DejaVu Sans Light"/>
+                <a:cs typeface="DejaVu Sans Light"/>
+                <a:sym typeface="DejaVu Sans Light"/>
+              </a:rPr>
+              <a:t>Testing and Debugging: The process of identifying and fixing errors in a website to ensure it functions correctly across different devices and browsers.</a:t>
+            </a:r>
+          </a:p>
+          <a:p>
+            <a:pPr algn="l" marL="487995" indent="-243998" lvl="1">
+              <a:lnSpc>
+                <a:spcPts val="2712"/>
+              </a:lnSpc>
+              <a:buFont typeface="Arial"/>
+              <a:buChar char="•"/>
+            </a:pPr>
+            <a:r>
+              <a:rPr lang="en-US" sz="2260" spc="-137">
+                <a:solidFill>
+                  <a:srgbClr val="18181A"/>
+                </a:solidFill>
+                <a:latin typeface="DejaVu Sans Light"/>
+                <a:ea typeface="DejaVu Sans Light"/>
+                <a:cs typeface="DejaVu Sans Light"/>
+                <a:sym typeface="DejaVu Sans Light"/>
+              </a:rPr>
+              <a:t>Content Creation: The process of producing texts, images, videos, and other elements that make up a website's content.</a:t>
+            </a:r>
+          </a:p>
+          <a:p>
+            <a:pPr algn="l" marL="487995" indent="-243998" lvl="1">
+              <a:lnSpc>
+                <a:spcPts val="2712"/>
+              </a:lnSpc>
+              <a:buFont typeface="Arial"/>
+              <a:buChar char="•"/>
+            </a:pPr>
+            <a:r>
+              <a:rPr lang="en-US" sz="2260" spc="-137">
+                <a:solidFill>
+                  <a:srgbClr val="18181A"/>
+                </a:solidFill>
+                <a:latin typeface="DejaVu Sans Light"/>
+                <a:ea typeface="DejaVu Sans Light"/>
+                <a:cs typeface="DejaVu Sans Light"/>
+                <a:sym typeface="DejaVu Sans Light"/>
+              </a:rPr>
+              <a:t>Search Engine Optimization (SEO): Strategies and techniques used to improve a website's visibility in search engine results.</a:t>
+            </a:r>
+          </a:p>
+          <a:p>
+            <a:pPr algn="l" marL="487995" indent="-243998" lvl="1">
+              <a:lnSpc>
+                <a:spcPts val="2712"/>
+              </a:lnSpc>
+              <a:buFont typeface="Arial"/>
+              <a:buChar char="•"/>
+            </a:pPr>
+            <a:r>
+              <a:rPr lang="en-US" sz="2260" spc="-137">
+                <a:solidFill>
+                  <a:srgbClr val="18181A"/>
+                </a:solidFill>
+                <a:latin typeface="DejaVu Sans Light"/>
+                <a:ea typeface="DejaVu Sans Light"/>
+                <a:cs typeface="DejaVu Sans Light"/>
+                <a:sym typeface="DejaVu Sans Light"/>
+              </a:rPr>
+              <a:t>Web Traffic: The number of visitors a website receives over a specific period of time.</a:t>
+            </a:r>
+          </a:p>
+          <a:p>
+            <a:pPr algn="l" marL="487995" indent="-243998" lvl="1">
+              <a:lnSpc>
+                <a:spcPts val="2712"/>
+              </a:lnSpc>
+              <a:buFont typeface="Arial"/>
+              <a:buChar char="•"/>
+            </a:pPr>
+            <a:r>
+              <a:rPr lang="en-US" sz="2260" spc="-137">
+                <a:solidFill>
+                  <a:srgbClr val="18181A"/>
+                </a:solidFill>
+                <a:latin typeface="DejaVu Sans Light"/>
+                <a:ea typeface="DejaVu Sans Light"/>
+                <a:cs typeface="DejaVu Sans Light"/>
+                <a:sym typeface="DejaVu Sans Light"/>
+              </a:rPr>
+              <a:t>Visitor Engagement: The measure of user interaction and participation with the content of a website.</a:t>
+            </a:r>
+          </a:p>
+          <a:p>
+            <a:pPr algn="l" marL="487995" indent="-243998" lvl="1">
+              <a:lnSpc>
+                <a:spcPts val="2712"/>
+              </a:lnSpc>
+              <a:buFont typeface="Arial"/>
+              <a:buChar char="•"/>
+            </a:pPr>
+            <a:r>
+              <a:rPr lang="en-US" sz="2260" spc="-139">
+                <a:solidFill>
+                  <a:srgbClr val="18181A"/>
+                </a:solidFill>
+                <a:latin typeface="DejaVu Sans Light"/>
+                <a:ea typeface="DejaVu Sans Light"/>
+                <a:cs typeface="DejaVu Sans Light"/>
+                <a:sym typeface="DejaVu Sans Light"/>
+              </a:rPr>
+              <a:t>Launch Strategy: A detailed plan of actions to follow for publishing and promoting a website.</a:t>
+            </a:r>
+          </a:p>
+        </p:txBody>
+      </p:sp>
     </p:spTree>
   </p:cSld>
   <p:clrMapOvr>
